--- a/UML.pptx
+++ b/UML.pptx
@@ -5,16 +5,25 @@
     <p:sldMasterId id="2147483746" r:id="rId1"/>
   </p:sldMasterIdLst>
   <p:notesMasterIdLst>
-    <p:notesMasterId r:id="rId6"/>
+    <p:notesMasterId r:id="rId15"/>
   </p:notesMasterIdLst>
   <p:handoutMasterIdLst>
-    <p:handoutMasterId r:id="rId7"/>
+    <p:handoutMasterId r:id="rId16"/>
   </p:handoutMasterIdLst>
   <p:sldIdLst>
     <p:sldId id="257" r:id="rId2"/>
-    <p:sldId id="259" r:id="rId3"/>
-    <p:sldId id="260" r:id="rId4"/>
-    <p:sldId id="261" r:id="rId5"/>
+    <p:sldId id="262" r:id="rId3"/>
+    <p:sldId id="265" r:id="rId4"/>
+    <p:sldId id="263" r:id="rId5"/>
+    <p:sldId id="264" r:id="rId6"/>
+    <p:sldId id="266" r:id="rId7"/>
+    <p:sldId id="267" r:id="rId8"/>
+    <p:sldId id="276" r:id="rId9"/>
+    <p:sldId id="268" r:id="rId10"/>
+    <p:sldId id="269" r:id="rId11"/>
+    <p:sldId id="259" r:id="rId12"/>
+    <p:sldId id="260" r:id="rId13"/>
+    <p:sldId id="261" r:id="rId14"/>
   </p:sldIdLst>
   <p:sldSz cx="12192000" cy="6858000"/>
   <p:notesSz cx="6858000" cy="9144000"/>
@@ -126,6 +135,11 @@
             <a:srgbClr val="A4A3A4"/>
           </p15:clr>
         </p15:guide>
+        <p15:guide id="3" orient="horz" pos="2160" userDrawn="1">
+          <p15:clr>
+            <a:srgbClr val="A4A3A4"/>
+          </p15:clr>
+        </p15:guide>
       </p15:sldGuideLst>
     </p:ext>
     <p:ext uri="{2D200454-40CA-4A62-9FC3-DE9A4176ACB9}">
@@ -219,7 +233,7 @@
             <a:pPr rtl="0"/>
             <a:fld id="{E513BFE8-3EE2-473B-8360-CC401F693042}" type="datetime1">
               <a:rPr lang="pl-PL" smtClean="0"/>
-              <a:t>17.11.2022</a:t>
+              <a:t>13.12.2022</a:t>
             </a:fld>
             <a:endParaRPr lang="en-US" dirty="0"/>
           </a:p>
@@ -389,7 +403,7 @@
             <a:pPr rtl="0"/>
             <a:fld id="{89DC72C2-8778-44E0-A8D5-BF70BB622A0E}" type="datetime1">
               <a:rPr lang="pl-PL" smtClean="0"/>
-              <a:t>17.11.2022</a:t>
+              <a:t>13.12.2022</a:t>
             </a:fld>
             <a:endParaRPr lang="en-US"/>
           </a:p>
@@ -909,7 +923,7 @@
             <a:pPr rtl="0"/>
             <a:fld id="{7BAE7E8F-A35A-46B2-A9BE-524299B2F50E}" type="datetime1">
               <a:rPr lang="pl-PL" smtClean="0"/>
-              <a:t>17.11.2022</a:t>
+              <a:t>13.12.2022</a:t>
             </a:fld>
             <a:endParaRPr lang="en-US" dirty="0"/>
           </a:p>
@@ -1101,7 +1115,7 @@
             <a:pPr rtl="0"/>
             <a:fld id="{5A3602E8-8E60-4F5A-9D4B-F49E43817F18}" type="datetime1">
               <a:rPr lang="pl-PL" smtClean="0"/>
-              <a:t>17.11.2022</a:t>
+              <a:t>13.12.2022</a:t>
             </a:fld>
             <a:endParaRPr lang="en-US" dirty="0"/>
           </a:p>
@@ -1347,7 +1361,7 @@
             <a:pPr rtl="0"/>
             <a:fld id="{17253C05-66E5-44BF-A1CC-B6E179382F80}" type="datetime1">
               <a:rPr lang="pl-PL" smtClean="0"/>
-              <a:t>17.11.2022</a:t>
+              <a:t>13.12.2022</a:t>
             </a:fld>
             <a:endParaRPr lang="en-US" dirty="0"/>
           </a:p>
@@ -1539,7 +1553,7 @@
             <a:pPr rtl="0"/>
             <a:fld id="{DA37154A-9283-472F-9D32-E032250E224B}" type="datetime1">
               <a:rPr lang="pl-PL" smtClean="0"/>
-              <a:t>17.11.2022</a:t>
+              <a:t>13.12.2022</a:t>
             </a:fld>
             <a:endParaRPr lang="en-US" dirty="0"/>
           </a:p>
@@ -1916,7 +1930,7 @@
             <a:pPr rtl="0"/>
             <a:fld id="{BC817808-171F-49DD-90FA-9B1DDEA0460D}" type="datetime1">
               <a:rPr lang="pl-PL" smtClean="0"/>
-              <a:t>17.11.2022</a:t>
+              <a:t>13.12.2022</a:t>
             </a:fld>
             <a:endParaRPr lang="en-US" dirty="0"/>
           </a:p>
@@ -2175,7 +2189,7 @@
             <a:pPr rtl="0"/>
             <a:fld id="{6D9D7E3F-871E-42B9-88FB-12D60C8B3FED}" type="datetime1">
               <a:rPr lang="pl-PL" smtClean="0"/>
-              <a:t>17.11.2022</a:t>
+              <a:t>13.12.2022</a:t>
             </a:fld>
             <a:endParaRPr lang="en-US" dirty="0"/>
           </a:p>
@@ -2576,7 +2590,7 @@
             <a:pPr rtl="0"/>
             <a:fld id="{18172BDD-02B5-48CF-A598-DDE8D9E324B3}" type="datetime1">
               <a:rPr lang="pl-PL" smtClean="0"/>
-              <a:t>17.11.2022</a:t>
+              <a:t>13.12.2022</a:t>
             </a:fld>
             <a:endParaRPr lang="en-US" dirty="0"/>
           </a:p>
@@ -2716,7 +2730,7 @@
             <a:pPr rtl="0"/>
             <a:fld id="{E5C9D7BB-18F8-44E5-BA28-A3609601F748}" type="datetime1">
               <a:rPr lang="pl-PL" smtClean="0"/>
-              <a:t>17.11.2022</a:t>
+              <a:t>13.12.2022</a:t>
             </a:fld>
             <a:endParaRPr lang="en-US" dirty="0"/>
           </a:p>
@@ -2876,7 +2890,7 @@
             <a:pPr rtl="0"/>
             <a:fld id="{D441AFA3-ED28-409D-9F61-7C1CB062C782}" type="datetime1">
               <a:rPr lang="pl-PL" smtClean="0"/>
-              <a:t>17.11.2022</a:t>
+              <a:t>13.12.2022</a:t>
             </a:fld>
             <a:endParaRPr lang="en-US" dirty="0"/>
           </a:p>
@@ -3209,7 +3223,7 @@
             <a:pPr rtl="0"/>
             <a:fld id="{46D2179F-AD35-466F-A681-81C59189197B}" type="datetime1">
               <a:rPr lang="pl-PL" smtClean="0"/>
-              <a:t>17.11.2022</a:t>
+              <a:t>13.12.2022</a:t>
             </a:fld>
             <a:endParaRPr lang="en-US" dirty="0"/>
           </a:p>
@@ -3564,7 +3578,7 @@
             <a:pPr rtl="0"/>
             <a:fld id="{4A1395F0-C132-4F04-9A22-D8E58D655E1C}" type="datetime1">
               <a:rPr lang="pl-PL" smtClean="0"/>
-              <a:t>17.11.2022</a:t>
+              <a:t>13.12.2022</a:t>
             </a:fld>
             <a:endParaRPr lang="en-US" dirty="0"/>
           </a:p>
@@ -3828,7 +3842,7 @@
             <a:pPr rtl="0"/>
             <a:fld id="{4E43EAF1-28E3-44EC-B370-94486815203D}" type="datetime1">
               <a:rPr lang="pl-PL" smtClean="0"/>
-              <a:t>17.11.2022</a:t>
+              <a:t>13.12.2022</a:t>
             </a:fld>
             <a:endParaRPr lang="en-US" dirty="0"/>
           </a:p>
@@ -4600,6 +4614,953 @@
   <p:clrMapOvr>
     <a:masterClrMapping/>
   </p:clrMapOvr>
+  <mc:AlternateContent xmlns:mc="http://schemas.openxmlformats.org/markup-compatibility/2006">
+    <mc:Choice xmlns:p14="http://schemas.microsoft.com/office/powerpoint/2010/main" Requires="p14">
+      <p:transition spd="med" p14:dur="700">
+        <p:fade/>
+      </p:transition>
+    </mc:Choice>
+    <mc:Fallback>
+      <p:transition spd="med">
+        <p:fade/>
+      </p:transition>
+    </mc:Fallback>
+  </mc:AlternateContent>
+</p:sld>
+</file>
+
+<file path=ppt/slides/slide10.xml><?xml version="1.0" encoding="utf-8"?>
+<p:sld xmlns:a="http://schemas.openxmlformats.org/drawingml/2006/main" xmlns:r="http://schemas.openxmlformats.org/officeDocument/2006/relationships" xmlns:p="http://schemas.openxmlformats.org/presentationml/2006/main">
+  <p:cSld>
+    <p:spTree>
+      <p:nvGrpSpPr>
+        <p:cNvPr id="1" name=""/>
+        <p:cNvGrpSpPr/>
+        <p:nvPr/>
+      </p:nvGrpSpPr>
+      <p:grpSpPr>
+        <a:xfrm>
+          <a:off x="0" y="0"/>
+          <a:ext cx="0" cy="0"/>
+          <a:chOff x="0" y="0"/>
+          <a:chExt cx="0" cy="0"/>
+        </a:xfrm>
+      </p:grpSpPr>
+      <p:sp>
+        <p:nvSpPr>
+          <p:cNvPr id="2" name="Tytuł 1">
+            <a:extLst>
+              <a:ext uri="{FF2B5EF4-FFF2-40B4-BE49-F238E27FC236}">
+                <a16:creationId xmlns:a16="http://schemas.microsoft.com/office/drawing/2014/main" id="{4EE5753E-50AC-50CD-8F5E-71BF107617A6}"/>
+              </a:ext>
+            </a:extLst>
+          </p:cNvPr>
+          <p:cNvSpPr>
+            <a:spLocks noGrp="1"/>
+          </p:cNvSpPr>
+          <p:nvPr>
+            <p:ph type="title"/>
+          </p:nvPr>
+        </p:nvSpPr>
+        <p:spPr/>
+        <p:txBody>
+          <a:bodyPr/>
+          <a:lstStyle/>
+          <a:p>
+            <a:pPr algn="ctr"/>
+            <a:r>
+              <a:rPr lang="pl-PL" dirty="0"/>
+              <a:t>Wymagania niefunkcjonalne</a:t>
+            </a:r>
+          </a:p>
+        </p:txBody>
+      </p:sp>
+      <p:sp>
+        <p:nvSpPr>
+          <p:cNvPr id="3" name="Symbol zastępczy zawartości 2">
+            <a:extLst>
+              <a:ext uri="{FF2B5EF4-FFF2-40B4-BE49-F238E27FC236}">
+                <a16:creationId xmlns:a16="http://schemas.microsoft.com/office/drawing/2014/main" id="{8EF24EEB-BCF5-6E75-71D8-DBDE5C4C8502}"/>
+              </a:ext>
+            </a:extLst>
+          </p:cNvPr>
+          <p:cNvSpPr>
+            <a:spLocks noGrp="1"/>
+          </p:cNvSpPr>
+          <p:nvPr>
+            <p:ph sz="half" idx="1"/>
+          </p:nvPr>
+        </p:nvSpPr>
+        <p:spPr>
+          <a:xfrm>
+            <a:off x="1097280" y="3429000"/>
+            <a:ext cx="4639736" cy="2440093"/>
+          </a:xfrm>
+        </p:spPr>
+        <p:txBody>
+          <a:bodyPr/>
+          <a:lstStyle/>
+          <a:p>
+            <a:r>
+              <a:rPr lang="pl-PL" dirty="0"/>
+              <a:t>Kompatybilność ze wszystkimi przeglądarkami</a:t>
+            </a:r>
+          </a:p>
+        </p:txBody>
+      </p:sp>
+      <p:pic>
+        <p:nvPicPr>
+          <p:cNvPr id="7" name="Symbol zastępczy zawartości 6">
+            <a:extLst>
+              <a:ext uri="{FF2B5EF4-FFF2-40B4-BE49-F238E27FC236}">
+                <a16:creationId xmlns:a16="http://schemas.microsoft.com/office/drawing/2014/main" id="{8556A5FF-2583-1A46-F12F-EF3EF59D6647}"/>
+              </a:ext>
+            </a:extLst>
+          </p:cNvPr>
+          <p:cNvPicPr>
+            <a:picLocks noGrp="1" noChangeAspect="1"/>
+          </p:cNvPicPr>
+          <p:nvPr>
+            <p:ph sz="half" idx="2"/>
+          </p:nvPr>
+        </p:nvPicPr>
+        <p:blipFill>
+          <a:blip r:embed="rId2">
+            <a:extLst>
+              <a:ext uri="{28A0092B-C50C-407E-A947-70E740481C1C}">
+                <a14:useLocalDpi xmlns:a14="http://schemas.microsoft.com/office/drawing/2010/main" val="0"/>
+              </a:ext>
+            </a:extLst>
+          </a:blip>
+          <a:stretch>
+            <a:fillRect/>
+          </a:stretch>
+        </p:blipFill>
+        <p:spPr>
+          <a:xfrm>
+            <a:off x="6151605" y="2272553"/>
+            <a:ext cx="1107861" cy="1107861"/>
+          </a:xfrm>
+        </p:spPr>
+      </p:pic>
+      <p:sp>
+        <p:nvSpPr>
+          <p:cNvPr id="5" name="Symbol zastępczy daty 4">
+            <a:extLst>
+              <a:ext uri="{FF2B5EF4-FFF2-40B4-BE49-F238E27FC236}">
+                <a16:creationId xmlns:a16="http://schemas.microsoft.com/office/drawing/2014/main" id="{B62B241E-00B5-22C0-01A9-D4BDC5BCB5E8}"/>
+              </a:ext>
+            </a:extLst>
+          </p:cNvPr>
+          <p:cNvSpPr>
+            <a:spLocks noGrp="1"/>
+          </p:cNvSpPr>
+          <p:nvPr>
+            <p:ph type="dt" sz="half" idx="10"/>
+          </p:nvPr>
+        </p:nvSpPr>
+        <p:spPr/>
+        <p:txBody>
+          <a:bodyPr/>
+          <a:lstStyle/>
+          <a:p>
+            <a:pPr rtl="0"/>
+            <a:fld id="{6D9D7E3F-871E-42B9-88FB-12D60C8B3FED}" type="datetime1">
+              <a:rPr lang="pl-PL" smtClean="0"/>
+              <a:t>13.12.2022</a:t>
+            </a:fld>
+            <a:endParaRPr lang="en-US" dirty="0"/>
+          </a:p>
+        </p:txBody>
+      </p:sp>
+      <p:pic>
+        <p:nvPicPr>
+          <p:cNvPr id="9" name="Obraz 8">
+            <a:extLst>
+              <a:ext uri="{FF2B5EF4-FFF2-40B4-BE49-F238E27FC236}">
+                <a16:creationId xmlns:a16="http://schemas.microsoft.com/office/drawing/2014/main" id="{C0E277FB-02F0-9956-2CCE-CD31313CC8A9}"/>
+              </a:ext>
+            </a:extLst>
+          </p:cNvPr>
+          <p:cNvPicPr>
+            <a:picLocks noChangeAspect="1"/>
+          </p:cNvPicPr>
+          <p:nvPr/>
+        </p:nvPicPr>
+        <p:blipFill>
+          <a:blip r:embed="rId3">
+            <a:extLst>
+              <a:ext uri="{28A0092B-C50C-407E-A947-70E740481C1C}">
+                <a14:useLocalDpi xmlns:a14="http://schemas.microsoft.com/office/drawing/2010/main" val="0"/>
+              </a:ext>
+            </a:extLst>
+          </a:blip>
+          <a:stretch>
+            <a:fillRect/>
+          </a:stretch>
+        </p:blipFill>
+        <p:spPr>
+          <a:xfrm>
+            <a:off x="7495536" y="2020394"/>
+            <a:ext cx="2251068" cy="1360020"/>
+          </a:xfrm>
+          <a:prstGeom prst="rect">
+            <a:avLst/>
+          </a:prstGeom>
+        </p:spPr>
+      </p:pic>
+      <p:pic>
+        <p:nvPicPr>
+          <p:cNvPr id="11" name="Obraz 10">
+            <a:extLst>
+              <a:ext uri="{FF2B5EF4-FFF2-40B4-BE49-F238E27FC236}">
+                <a16:creationId xmlns:a16="http://schemas.microsoft.com/office/drawing/2014/main" id="{D2BCAE32-2482-F078-87C0-5370C4F43D34}"/>
+              </a:ext>
+            </a:extLst>
+          </p:cNvPr>
+          <p:cNvPicPr>
+            <a:picLocks noChangeAspect="1"/>
+          </p:cNvPicPr>
+          <p:nvPr/>
+        </p:nvPicPr>
+        <p:blipFill>
+          <a:blip r:embed="rId4">
+            <a:extLst>
+              <a:ext uri="{28A0092B-C50C-407E-A947-70E740481C1C}">
+                <a14:useLocalDpi xmlns:a14="http://schemas.microsoft.com/office/drawing/2010/main" val="0"/>
+              </a:ext>
+            </a:extLst>
+          </a:blip>
+          <a:stretch>
+            <a:fillRect/>
+          </a:stretch>
+        </p:blipFill>
+        <p:spPr>
+          <a:xfrm>
+            <a:off x="6151851" y="4064311"/>
+            <a:ext cx="1343685" cy="1343685"/>
+          </a:xfrm>
+          <a:prstGeom prst="rect">
+            <a:avLst/>
+          </a:prstGeom>
+        </p:spPr>
+      </p:pic>
+      <p:pic>
+        <p:nvPicPr>
+          <p:cNvPr id="13" name="Obraz 12">
+            <a:extLst>
+              <a:ext uri="{FF2B5EF4-FFF2-40B4-BE49-F238E27FC236}">
+                <a16:creationId xmlns:a16="http://schemas.microsoft.com/office/drawing/2014/main" id="{12EC9328-2A18-60C6-E2D8-BB3E71443F5B}"/>
+              </a:ext>
+            </a:extLst>
+          </p:cNvPr>
+          <p:cNvPicPr>
+            <a:picLocks noChangeAspect="1"/>
+          </p:cNvPicPr>
+          <p:nvPr/>
+        </p:nvPicPr>
+        <p:blipFill>
+          <a:blip r:embed="rId5">
+            <a:extLst>
+              <a:ext uri="{28A0092B-C50C-407E-A947-70E740481C1C}">
+                <a14:useLocalDpi xmlns:a14="http://schemas.microsoft.com/office/drawing/2010/main" val="0"/>
+              </a:ext>
+            </a:extLst>
+          </a:blip>
+          <a:stretch>
+            <a:fillRect/>
+          </a:stretch>
+        </p:blipFill>
+        <p:spPr>
+          <a:xfrm>
+            <a:off x="7910371" y="4015158"/>
+            <a:ext cx="1448782" cy="1441990"/>
+          </a:xfrm>
+          <a:prstGeom prst="rect">
+            <a:avLst/>
+          </a:prstGeom>
+        </p:spPr>
+      </p:pic>
+      <p:pic>
+        <p:nvPicPr>
+          <p:cNvPr id="15" name="Obraz 14">
+            <a:extLst>
+              <a:ext uri="{FF2B5EF4-FFF2-40B4-BE49-F238E27FC236}">
+                <a16:creationId xmlns:a16="http://schemas.microsoft.com/office/drawing/2014/main" id="{6F5452A8-49F7-5EA7-39F1-213B8488705D}"/>
+              </a:ext>
+            </a:extLst>
+          </p:cNvPr>
+          <p:cNvPicPr>
+            <a:picLocks noChangeAspect="1"/>
+          </p:cNvPicPr>
+          <p:nvPr/>
+        </p:nvPicPr>
+        <p:blipFill>
+          <a:blip r:embed="rId6">
+            <a:extLst>
+              <a:ext uri="{28A0092B-C50C-407E-A947-70E740481C1C}">
+                <a14:useLocalDpi xmlns:a14="http://schemas.microsoft.com/office/drawing/2010/main" val="0"/>
+              </a:ext>
+            </a:extLst>
+          </a:blip>
+          <a:stretch>
+            <a:fillRect/>
+          </a:stretch>
+        </p:blipFill>
+        <p:spPr>
+          <a:xfrm>
+            <a:off x="9930491" y="4089227"/>
+            <a:ext cx="1164229" cy="1241844"/>
+          </a:xfrm>
+          <a:prstGeom prst="rect">
+            <a:avLst/>
+          </a:prstGeom>
+        </p:spPr>
+      </p:pic>
+      <p:pic>
+        <p:nvPicPr>
+          <p:cNvPr id="17" name="Obraz 16">
+            <a:extLst>
+              <a:ext uri="{FF2B5EF4-FFF2-40B4-BE49-F238E27FC236}">
+                <a16:creationId xmlns:a16="http://schemas.microsoft.com/office/drawing/2014/main" id="{9A8A4BB3-ABB6-1403-5527-36420DC02FC4}"/>
+              </a:ext>
+            </a:extLst>
+          </p:cNvPr>
+          <p:cNvPicPr>
+            <a:picLocks noChangeAspect="1"/>
+          </p:cNvPicPr>
+          <p:nvPr/>
+        </p:nvPicPr>
+        <p:blipFill>
+          <a:blip r:embed="rId7">
+            <a:extLst>
+              <a:ext uri="{28A0092B-C50C-407E-A947-70E740481C1C}">
+                <a14:useLocalDpi xmlns:a14="http://schemas.microsoft.com/office/drawing/2010/main" val="0"/>
+              </a:ext>
+            </a:extLst>
+          </a:blip>
+          <a:stretch>
+            <a:fillRect/>
+          </a:stretch>
+        </p:blipFill>
+        <p:spPr>
+          <a:xfrm>
+            <a:off x="9991451" y="2114586"/>
+            <a:ext cx="1224928" cy="1224928"/>
+          </a:xfrm>
+          <a:prstGeom prst="rect">
+            <a:avLst/>
+          </a:prstGeom>
+        </p:spPr>
+      </p:pic>
+    </p:spTree>
+    <p:extLst>
+      <p:ext uri="{BB962C8B-B14F-4D97-AF65-F5344CB8AC3E}">
+        <p14:creationId xmlns:p14="http://schemas.microsoft.com/office/powerpoint/2010/main" val="3359003523"/>
+      </p:ext>
+    </p:extLst>
+  </p:cSld>
+  <p:clrMapOvr>
+    <a:masterClrMapping/>
+  </p:clrMapOvr>
+  <mc:AlternateContent xmlns:mc="http://schemas.openxmlformats.org/markup-compatibility/2006">
+    <mc:Choice xmlns:p14="http://schemas.microsoft.com/office/powerpoint/2010/main" Requires="p14">
+      <p:transition spd="med" p14:dur="700">
+        <p:fade/>
+      </p:transition>
+    </mc:Choice>
+    <mc:Fallback>
+      <p:transition spd="med">
+        <p:fade/>
+      </p:transition>
+    </mc:Fallback>
+  </mc:AlternateContent>
+</p:sld>
+</file>
+
+<file path=ppt/slides/slide11.xml><?xml version="1.0" encoding="utf-8"?>
+<p:sld xmlns:a="http://schemas.openxmlformats.org/drawingml/2006/main" xmlns:r="http://schemas.openxmlformats.org/officeDocument/2006/relationships" xmlns:p="http://schemas.openxmlformats.org/presentationml/2006/main">
+  <p:cSld>
+    <p:spTree>
+      <p:nvGrpSpPr>
+        <p:cNvPr id="1" name=""/>
+        <p:cNvGrpSpPr/>
+        <p:nvPr/>
+      </p:nvGrpSpPr>
+      <p:grpSpPr>
+        <a:xfrm>
+          <a:off x="0" y="0"/>
+          <a:ext cx="0" cy="0"/>
+          <a:chOff x="0" y="0"/>
+          <a:chExt cx="0" cy="0"/>
+        </a:xfrm>
+      </p:grpSpPr>
+      <p:pic>
+        <p:nvPicPr>
+          <p:cNvPr id="21" name="Symbol zastępczy obrazu 20">
+            <a:extLst>
+              <a:ext uri="{FF2B5EF4-FFF2-40B4-BE49-F238E27FC236}">
+                <a16:creationId xmlns:a16="http://schemas.microsoft.com/office/drawing/2014/main" id="{B95CDDB1-D1FA-CE29-2155-2B6C769A5AD1}"/>
+              </a:ext>
+            </a:extLst>
+          </p:cNvPr>
+          <p:cNvPicPr>
+            <a:picLocks noGrp="1" noChangeAspect="1"/>
+          </p:cNvPicPr>
+          <p:nvPr>
+            <p:ph type="pic" idx="1"/>
+          </p:nvPr>
+        </p:nvPicPr>
+        <p:blipFill>
+          <a:blip r:embed="rId2">
+            <a:extLst>
+              <a:ext uri="{28A0092B-C50C-407E-A947-70E740481C1C}">
+                <a14:useLocalDpi xmlns:a14="http://schemas.microsoft.com/office/drawing/2010/main" val="0"/>
+              </a:ext>
+            </a:extLst>
+          </a:blip>
+          <a:srcRect l="952" r="952"/>
+          <a:stretch>
+            <a:fillRect/>
+          </a:stretch>
+        </p:blipFill>
+        <p:spPr>
+          <a:xfrm>
+            <a:off x="0" y="-1"/>
+            <a:ext cx="12192000" cy="5553075"/>
+          </a:xfrm>
+        </p:spPr>
+      </p:pic>
+      <p:sp>
+        <p:nvSpPr>
+          <p:cNvPr id="3" name="Tytuł 2">
+            <a:extLst>
+              <a:ext uri="{FF2B5EF4-FFF2-40B4-BE49-F238E27FC236}">
+                <a16:creationId xmlns:a16="http://schemas.microsoft.com/office/drawing/2014/main" id="{F6A4D65C-3575-DE75-ABA2-339E730BED2F}"/>
+              </a:ext>
+            </a:extLst>
+          </p:cNvPr>
+          <p:cNvSpPr>
+            <a:spLocks noGrp="1"/>
+          </p:cNvSpPr>
+          <p:nvPr>
+            <p:ph type="title"/>
+          </p:nvPr>
+        </p:nvSpPr>
+        <p:spPr>
+          <a:xfrm>
+            <a:off x="1039368" y="5416184"/>
+            <a:ext cx="10113645" cy="743682"/>
+          </a:xfrm>
+        </p:spPr>
+        <p:txBody>
+          <a:bodyPr/>
+          <a:lstStyle/>
+          <a:p>
+            <a:pPr algn="ctr"/>
+            <a:r>
+              <a:rPr lang="pl-PL" dirty="0"/>
+              <a:t>UML</a:t>
+            </a:r>
+          </a:p>
+        </p:txBody>
+      </p:sp>
+      <p:sp>
+        <p:nvSpPr>
+          <p:cNvPr id="4" name="Symbol zastępczy tekstu 3">
+            <a:extLst>
+              <a:ext uri="{FF2B5EF4-FFF2-40B4-BE49-F238E27FC236}">
+                <a16:creationId xmlns:a16="http://schemas.microsoft.com/office/drawing/2014/main" id="{EC5B6EEA-FCE0-C72C-266F-F29E1949F06E}"/>
+              </a:ext>
+            </a:extLst>
+          </p:cNvPr>
+          <p:cNvSpPr>
+            <a:spLocks noGrp="1"/>
+          </p:cNvSpPr>
+          <p:nvPr>
+            <p:ph type="body" sz="half" idx="2"/>
+          </p:nvPr>
+        </p:nvSpPr>
+        <p:spPr>
+          <a:xfrm>
+            <a:off x="1039368" y="6202363"/>
+            <a:ext cx="10113264" cy="609600"/>
+          </a:xfrm>
+        </p:spPr>
+        <p:txBody>
+          <a:bodyPr/>
+          <a:lstStyle/>
+          <a:p>
+            <a:pPr algn="ctr"/>
+            <a:r>
+              <a:rPr lang="pl-PL" dirty="0"/>
+              <a:t>Wykresy na stronie</a:t>
+            </a:r>
+          </a:p>
+        </p:txBody>
+      </p:sp>
+      <p:sp>
+        <p:nvSpPr>
+          <p:cNvPr id="5" name="Symbol zastępczy daty 4">
+            <a:extLst>
+              <a:ext uri="{FF2B5EF4-FFF2-40B4-BE49-F238E27FC236}">
+                <a16:creationId xmlns:a16="http://schemas.microsoft.com/office/drawing/2014/main" id="{86AEFBB5-6D75-C101-11BA-7DA718120F91}"/>
+              </a:ext>
+            </a:extLst>
+          </p:cNvPr>
+          <p:cNvSpPr>
+            <a:spLocks noGrp="1"/>
+          </p:cNvSpPr>
+          <p:nvPr>
+            <p:ph type="dt" sz="half" idx="10"/>
+          </p:nvPr>
+        </p:nvSpPr>
+        <p:spPr/>
+        <p:txBody>
+          <a:bodyPr/>
+          <a:lstStyle/>
+          <a:p>
+            <a:pPr rtl="0"/>
+            <a:fld id="{4A1395F0-C132-4F04-9A22-D8E58D655E1C}" type="datetime1">
+              <a:rPr lang="pl-PL" smtClean="0"/>
+              <a:t>13.12.2022</a:t>
+            </a:fld>
+            <a:endParaRPr lang="en-US" dirty="0"/>
+          </a:p>
+        </p:txBody>
+      </p:sp>
+      <p:pic>
+        <p:nvPicPr>
+          <p:cNvPr id="1025" name="Picture 1">
+            <a:extLst>
+              <a:ext uri="{FF2B5EF4-FFF2-40B4-BE49-F238E27FC236}">
+                <a16:creationId xmlns:a16="http://schemas.microsoft.com/office/drawing/2014/main" id="{EC09F780-9B00-A4A4-AE8A-711463A55735}"/>
+              </a:ext>
+            </a:extLst>
+          </p:cNvPr>
+          <p:cNvPicPr>
+            <a:picLocks noChangeAspect="1" noChangeArrowheads="1"/>
+          </p:cNvPicPr>
+          <p:nvPr/>
+        </p:nvPicPr>
+        <p:blipFill>
+          <a:blip r:embed="rId3">
+            <a:extLst>
+              <a:ext uri="{28A0092B-C50C-407E-A947-70E740481C1C}">
+                <a14:useLocalDpi xmlns:a14="http://schemas.microsoft.com/office/drawing/2010/main" val="0"/>
+              </a:ext>
+            </a:extLst>
+          </a:blip>
+          <a:srcRect/>
+          <a:stretch>
+            <a:fillRect/>
+          </a:stretch>
+        </p:blipFill>
+        <p:spPr bwMode="auto">
+          <a:xfrm>
+            <a:off x="0" y="0"/>
+            <a:ext cx="1095375" cy="647700"/>
+          </a:xfrm>
+          <a:prstGeom prst="rect">
+            <a:avLst/>
+          </a:prstGeom>
+          <a:noFill/>
+          <a:extLst>
+            <a:ext uri="{909E8E84-426E-40DD-AFC4-6F175D3DCCD1}">
+              <a14:hiddenFill xmlns:a14="http://schemas.microsoft.com/office/drawing/2010/main">
+                <a:solidFill>
+                  <a:srgbClr val="FFFFFF"/>
+                </a:solidFill>
+              </a14:hiddenFill>
+            </a:ext>
+          </a:extLst>
+        </p:spPr>
+      </p:pic>
+      <p:pic>
+        <p:nvPicPr>
+          <p:cNvPr id="1026" name="Picture 2">
+            <a:extLst>
+              <a:ext uri="{FF2B5EF4-FFF2-40B4-BE49-F238E27FC236}">
+                <a16:creationId xmlns:a16="http://schemas.microsoft.com/office/drawing/2014/main" id="{68E93D94-666C-55F6-46CF-4683CBE8E90B}"/>
+              </a:ext>
+            </a:extLst>
+          </p:cNvPr>
+          <p:cNvPicPr>
+            <a:picLocks noChangeAspect="1" noChangeArrowheads="1"/>
+          </p:cNvPicPr>
+          <p:nvPr/>
+        </p:nvPicPr>
+        <p:blipFill>
+          <a:blip r:embed="rId3">
+            <a:extLst>
+              <a:ext uri="{28A0092B-C50C-407E-A947-70E740481C1C}">
+                <a14:useLocalDpi xmlns:a14="http://schemas.microsoft.com/office/drawing/2010/main" val="0"/>
+              </a:ext>
+            </a:extLst>
+          </a:blip>
+          <a:srcRect/>
+          <a:stretch>
+            <a:fillRect/>
+          </a:stretch>
+        </p:blipFill>
+        <p:spPr bwMode="auto">
+          <a:xfrm>
+            <a:off x="0" y="0"/>
+            <a:ext cx="1095375" cy="647700"/>
+          </a:xfrm>
+          <a:prstGeom prst="rect">
+            <a:avLst/>
+          </a:prstGeom>
+          <a:noFill/>
+          <a:extLst>
+            <a:ext uri="{909E8E84-426E-40DD-AFC4-6F175D3DCCD1}">
+              <a14:hiddenFill xmlns:a14="http://schemas.microsoft.com/office/drawing/2010/main">
+                <a:solidFill>
+                  <a:srgbClr val="FFFFFF"/>
+                </a:solidFill>
+              </a14:hiddenFill>
+            </a:ext>
+          </a:extLst>
+        </p:spPr>
+      </p:pic>
+    </p:spTree>
+    <p:extLst>
+      <p:ext uri="{BB962C8B-B14F-4D97-AF65-F5344CB8AC3E}">
+        <p14:creationId xmlns:p14="http://schemas.microsoft.com/office/powerpoint/2010/main" val="1138481438"/>
+      </p:ext>
+    </p:extLst>
+  </p:cSld>
+  <p:clrMapOvr>
+    <a:masterClrMapping/>
+  </p:clrMapOvr>
+</p:sld>
+</file>
+
+<file path=ppt/slides/slide12.xml><?xml version="1.0" encoding="utf-8"?>
+<p:sld xmlns:a="http://schemas.openxmlformats.org/drawingml/2006/main" xmlns:r="http://schemas.openxmlformats.org/officeDocument/2006/relationships" xmlns:p="http://schemas.openxmlformats.org/presentationml/2006/main">
+  <p:cSld>
+    <p:spTree>
+      <p:nvGrpSpPr>
+        <p:cNvPr id="1" name=""/>
+        <p:cNvGrpSpPr/>
+        <p:nvPr/>
+      </p:nvGrpSpPr>
+      <p:grpSpPr>
+        <a:xfrm>
+          <a:off x="0" y="0"/>
+          <a:ext cx="0" cy="0"/>
+          <a:chOff x="0" y="0"/>
+          <a:chExt cx="0" cy="0"/>
+        </a:xfrm>
+      </p:grpSpPr>
+      <p:sp>
+        <p:nvSpPr>
+          <p:cNvPr id="3" name="Tytuł 2">
+            <a:extLst>
+              <a:ext uri="{FF2B5EF4-FFF2-40B4-BE49-F238E27FC236}">
+                <a16:creationId xmlns:a16="http://schemas.microsoft.com/office/drawing/2014/main" id="{F6A4D65C-3575-DE75-ABA2-339E730BED2F}"/>
+              </a:ext>
+            </a:extLst>
+          </p:cNvPr>
+          <p:cNvSpPr>
+            <a:spLocks noGrp="1"/>
+          </p:cNvSpPr>
+          <p:nvPr>
+            <p:ph type="title"/>
+          </p:nvPr>
+        </p:nvSpPr>
+        <p:spPr>
+          <a:xfrm>
+            <a:off x="1039368" y="5416184"/>
+            <a:ext cx="10113645" cy="743682"/>
+          </a:xfrm>
+        </p:spPr>
+        <p:txBody>
+          <a:bodyPr/>
+          <a:lstStyle/>
+          <a:p>
+            <a:pPr algn="ctr"/>
+            <a:r>
+              <a:rPr lang="pl-PL" dirty="0"/>
+              <a:t>UML</a:t>
+            </a:r>
+          </a:p>
+        </p:txBody>
+      </p:sp>
+      <p:sp>
+        <p:nvSpPr>
+          <p:cNvPr id="4" name="Symbol zastępczy tekstu 3">
+            <a:extLst>
+              <a:ext uri="{FF2B5EF4-FFF2-40B4-BE49-F238E27FC236}">
+                <a16:creationId xmlns:a16="http://schemas.microsoft.com/office/drawing/2014/main" id="{EC5B6EEA-FCE0-C72C-266F-F29E1949F06E}"/>
+              </a:ext>
+            </a:extLst>
+          </p:cNvPr>
+          <p:cNvSpPr>
+            <a:spLocks noGrp="1"/>
+          </p:cNvSpPr>
+          <p:nvPr>
+            <p:ph type="body" sz="half" idx="2"/>
+          </p:nvPr>
+        </p:nvSpPr>
+        <p:spPr>
+          <a:xfrm>
+            <a:off x="1039368" y="6202363"/>
+            <a:ext cx="10113264" cy="609600"/>
+          </a:xfrm>
+        </p:spPr>
+        <p:txBody>
+          <a:bodyPr/>
+          <a:lstStyle/>
+          <a:p>
+            <a:pPr algn="ctr"/>
+            <a:r>
+              <a:rPr lang="pl-PL" dirty="0"/>
+              <a:t>Top 10 najchętniej wybieranych</a:t>
+            </a:r>
+          </a:p>
+        </p:txBody>
+      </p:sp>
+      <p:sp>
+        <p:nvSpPr>
+          <p:cNvPr id="5" name="Symbol zastępczy daty 4">
+            <a:extLst>
+              <a:ext uri="{FF2B5EF4-FFF2-40B4-BE49-F238E27FC236}">
+                <a16:creationId xmlns:a16="http://schemas.microsoft.com/office/drawing/2014/main" id="{86AEFBB5-6D75-C101-11BA-7DA718120F91}"/>
+              </a:ext>
+            </a:extLst>
+          </p:cNvPr>
+          <p:cNvSpPr>
+            <a:spLocks noGrp="1"/>
+          </p:cNvSpPr>
+          <p:nvPr>
+            <p:ph type="dt" sz="half" idx="10"/>
+          </p:nvPr>
+        </p:nvSpPr>
+        <p:spPr/>
+        <p:txBody>
+          <a:bodyPr/>
+          <a:lstStyle/>
+          <a:p>
+            <a:pPr rtl="0"/>
+            <a:fld id="{4A1395F0-C132-4F04-9A22-D8E58D655E1C}" type="datetime1">
+              <a:rPr lang="pl-PL" smtClean="0"/>
+              <a:t>13.12.2022</a:t>
+            </a:fld>
+            <a:endParaRPr lang="en-US" dirty="0"/>
+          </a:p>
+        </p:txBody>
+      </p:sp>
+      <p:pic>
+        <p:nvPicPr>
+          <p:cNvPr id="12" name="Symbol zastępczy obrazu 11">
+            <a:extLst>
+              <a:ext uri="{FF2B5EF4-FFF2-40B4-BE49-F238E27FC236}">
+                <a16:creationId xmlns:a16="http://schemas.microsoft.com/office/drawing/2014/main" id="{537E7554-C5C3-3471-6501-6F1701694952}"/>
+              </a:ext>
+            </a:extLst>
+          </p:cNvPr>
+          <p:cNvPicPr>
+            <a:picLocks noGrp="1" noChangeAspect="1"/>
+          </p:cNvPicPr>
+          <p:nvPr>
+            <p:ph type="pic" idx="1"/>
+          </p:nvPr>
+        </p:nvPicPr>
+        <p:blipFill>
+          <a:blip r:embed="rId2">
+            <a:extLst>
+              <a:ext uri="{28A0092B-C50C-407E-A947-70E740481C1C}">
+                <a14:useLocalDpi xmlns:a14="http://schemas.microsoft.com/office/drawing/2010/main" val="0"/>
+              </a:ext>
+            </a:extLst>
+          </a:blip>
+          <a:srcRect t="233" b="233"/>
+          <a:stretch>
+            <a:fillRect/>
+          </a:stretch>
+        </p:blipFill>
+        <p:spPr>
+          <a:xfrm>
+            <a:off x="0" y="0"/>
+            <a:ext cx="12192000" cy="5558971"/>
+          </a:xfrm>
+        </p:spPr>
+      </p:pic>
+    </p:spTree>
+    <p:extLst>
+      <p:ext uri="{BB962C8B-B14F-4D97-AF65-F5344CB8AC3E}">
+        <p14:creationId xmlns:p14="http://schemas.microsoft.com/office/powerpoint/2010/main" val="972484166"/>
+      </p:ext>
+    </p:extLst>
+  </p:cSld>
+  <p:clrMapOvr>
+    <a:masterClrMapping/>
+  </p:clrMapOvr>
+</p:sld>
+</file>
+
+<file path=ppt/slides/slide13.xml><?xml version="1.0" encoding="utf-8"?>
+<p:sld xmlns:a="http://schemas.openxmlformats.org/drawingml/2006/main" xmlns:r="http://schemas.openxmlformats.org/officeDocument/2006/relationships" xmlns:p="http://schemas.openxmlformats.org/presentationml/2006/main">
+  <p:cSld>
+    <p:spTree>
+      <p:nvGrpSpPr>
+        <p:cNvPr id="1" name=""/>
+        <p:cNvGrpSpPr/>
+        <p:nvPr/>
+      </p:nvGrpSpPr>
+      <p:grpSpPr>
+        <a:xfrm>
+          <a:off x="0" y="0"/>
+          <a:ext cx="0" cy="0"/>
+          <a:chOff x="0" y="0"/>
+          <a:chExt cx="0" cy="0"/>
+        </a:xfrm>
+      </p:grpSpPr>
+      <p:sp>
+        <p:nvSpPr>
+          <p:cNvPr id="3" name="Tytuł 2">
+            <a:extLst>
+              <a:ext uri="{FF2B5EF4-FFF2-40B4-BE49-F238E27FC236}">
+                <a16:creationId xmlns:a16="http://schemas.microsoft.com/office/drawing/2014/main" id="{F6A4D65C-3575-DE75-ABA2-339E730BED2F}"/>
+              </a:ext>
+            </a:extLst>
+          </p:cNvPr>
+          <p:cNvSpPr>
+            <a:spLocks noGrp="1"/>
+          </p:cNvSpPr>
+          <p:nvPr>
+            <p:ph type="title"/>
+          </p:nvPr>
+        </p:nvSpPr>
+        <p:spPr>
+          <a:xfrm>
+            <a:off x="1039368" y="5416184"/>
+            <a:ext cx="10113645" cy="743682"/>
+          </a:xfrm>
+        </p:spPr>
+        <p:txBody>
+          <a:bodyPr/>
+          <a:lstStyle/>
+          <a:p>
+            <a:pPr algn="ctr"/>
+            <a:r>
+              <a:rPr lang="pl-PL" dirty="0"/>
+              <a:t>UML</a:t>
+            </a:r>
+          </a:p>
+        </p:txBody>
+      </p:sp>
+      <p:sp>
+        <p:nvSpPr>
+          <p:cNvPr id="4" name="Symbol zastępczy tekstu 3">
+            <a:extLst>
+              <a:ext uri="{FF2B5EF4-FFF2-40B4-BE49-F238E27FC236}">
+                <a16:creationId xmlns:a16="http://schemas.microsoft.com/office/drawing/2014/main" id="{EC5B6EEA-FCE0-C72C-266F-F29E1949F06E}"/>
+              </a:ext>
+            </a:extLst>
+          </p:cNvPr>
+          <p:cNvSpPr>
+            <a:spLocks noGrp="1"/>
+          </p:cNvSpPr>
+          <p:nvPr>
+            <p:ph type="body" sz="half" idx="2"/>
+          </p:nvPr>
+        </p:nvSpPr>
+        <p:spPr>
+          <a:xfrm>
+            <a:off x="1039368" y="6202363"/>
+            <a:ext cx="10113264" cy="609600"/>
+          </a:xfrm>
+        </p:spPr>
+        <p:txBody>
+          <a:bodyPr/>
+          <a:lstStyle/>
+          <a:p>
+            <a:pPr algn="ctr"/>
+            <a:r>
+              <a:rPr lang="pl-PL" dirty="0"/>
+              <a:t>Top 10 najchętniej wybieranych</a:t>
+            </a:r>
+          </a:p>
+        </p:txBody>
+      </p:sp>
+      <p:sp>
+        <p:nvSpPr>
+          <p:cNvPr id="5" name="Symbol zastępczy daty 4">
+            <a:extLst>
+              <a:ext uri="{FF2B5EF4-FFF2-40B4-BE49-F238E27FC236}">
+                <a16:creationId xmlns:a16="http://schemas.microsoft.com/office/drawing/2014/main" id="{86AEFBB5-6D75-C101-11BA-7DA718120F91}"/>
+              </a:ext>
+            </a:extLst>
+          </p:cNvPr>
+          <p:cNvSpPr>
+            <a:spLocks noGrp="1"/>
+          </p:cNvSpPr>
+          <p:nvPr>
+            <p:ph type="dt" sz="half" idx="10"/>
+          </p:nvPr>
+        </p:nvSpPr>
+        <p:spPr/>
+        <p:txBody>
+          <a:bodyPr/>
+          <a:lstStyle/>
+          <a:p>
+            <a:pPr rtl="0"/>
+            <a:fld id="{4A1395F0-C132-4F04-9A22-D8E58D655E1C}" type="datetime1">
+              <a:rPr lang="pl-PL" smtClean="0"/>
+              <a:t>13.12.2022</a:t>
+            </a:fld>
+            <a:endParaRPr lang="en-US" dirty="0"/>
+          </a:p>
+        </p:txBody>
+      </p:sp>
+      <p:pic>
+        <p:nvPicPr>
+          <p:cNvPr id="10" name="Symbol zastępczy obrazu 9">
+            <a:extLst>
+              <a:ext uri="{FF2B5EF4-FFF2-40B4-BE49-F238E27FC236}">
+                <a16:creationId xmlns:a16="http://schemas.microsoft.com/office/drawing/2014/main" id="{27D9C3CF-72C6-2C8B-2105-B34657D1C6C6}"/>
+              </a:ext>
+            </a:extLst>
+          </p:cNvPr>
+          <p:cNvPicPr>
+            <a:picLocks noGrp="1" noChangeAspect="1"/>
+          </p:cNvPicPr>
+          <p:nvPr>
+            <p:ph type="pic" idx="1"/>
+          </p:nvPr>
+        </p:nvPicPr>
+        <p:blipFill>
+          <a:blip r:embed="rId2">
+            <a:extLst>
+              <a:ext uri="{28A0092B-C50C-407E-A947-70E740481C1C}">
+                <a14:useLocalDpi xmlns:a14="http://schemas.microsoft.com/office/drawing/2010/main" val="0"/>
+              </a:ext>
+            </a:extLst>
+          </a:blip>
+          <a:srcRect l="1496" r="1496"/>
+          <a:stretch>
+            <a:fillRect/>
+          </a:stretch>
+        </p:blipFill>
+        <p:spPr>
+          <a:xfrm>
+            <a:off x="0" y="1"/>
+            <a:ext cx="12192000" cy="5553074"/>
+          </a:xfrm>
+        </p:spPr>
+      </p:pic>
+    </p:spTree>
+    <p:extLst>
+      <p:ext uri="{BB962C8B-B14F-4D97-AF65-F5344CB8AC3E}">
+        <p14:creationId xmlns:p14="http://schemas.microsoft.com/office/powerpoint/2010/main" val="1900010805"/>
+      </p:ext>
+    </p:extLst>
+  </p:cSld>
+  <p:clrMapOvr>
+    <a:masterClrMapping/>
+  </p:clrMapOvr>
 </p:sld>
 </file>
 
@@ -4620,12 +5581,41 @@
           <a:chExt cx="0" cy="0"/>
         </a:xfrm>
       </p:grpSpPr>
+      <p:sp>
+        <p:nvSpPr>
+          <p:cNvPr id="2" name="Tytuł 1">
+            <a:extLst>
+              <a:ext uri="{FF2B5EF4-FFF2-40B4-BE49-F238E27FC236}">
+                <a16:creationId xmlns:a16="http://schemas.microsoft.com/office/drawing/2014/main" id="{885695F6-216D-77C1-DA6D-FCB1CA4CE56E}"/>
+              </a:ext>
+            </a:extLst>
+          </p:cNvPr>
+          <p:cNvSpPr>
+            <a:spLocks noGrp="1"/>
+          </p:cNvSpPr>
+          <p:nvPr>
+            <p:ph type="title"/>
+          </p:nvPr>
+        </p:nvSpPr>
+        <p:spPr/>
+        <p:txBody>
+          <a:bodyPr/>
+          <a:lstStyle/>
+          <a:p>
+            <a:pPr algn="ctr"/>
+            <a:r>
+              <a:rPr lang="pl-PL" dirty="0"/>
+              <a:t>Wymagania funkcjonalne</a:t>
+            </a:r>
+          </a:p>
+        </p:txBody>
+      </p:sp>
       <p:pic>
         <p:nvPicPr>
-          <p:cNvPr id="21" name="Symbol zastępczy obrazu 20">
-            <a:extLst>
-              <a:ext uri="{FF2B5EF4-FFF2-40B4-BE49-F238E27FC236}">
-                <a16:creationId xmlns:a16="http://schemas.microsoft.com/office/drawing/2014/main" id="{B95CDDB1-D1FA-CE29-2155-2B6C769A5AD1}"/>
+          <p:cNvPr id="6" name="Symbol zastępczy zawartości 5">
+            <a:extLst>
+              <a:ext uri="{FF2B5EF4-FFF2-40B4-BE49-F238E27FC236}">
+                <a16:creationId xmlns:a16="http://schemas.microsoft.com/office/drawing/2014/main" id="{BB52F44D-2FDE-ACAE-5785-21A61B7528BC}"/>
               </a:ext>
             </a:extLst>
           </p:cNvPr>
@@ -4633,122 +5623,53 @@
             <a:picLocks noGrp="1" noChangeAspect="1"/>
           </p:cNvPicPr>
           <p:nvPr>
-            <p:ph type="pic" idx="1"/>
+            <p:ph idx="1"/>
           </p:nvPr>
         </p:nvPicPr>
         <p:blipFill>
-          <a:blip r:embed="rId3">
+          <a:blip r:embed="rId2">
             <a:extLst>
               <a:ext uri="{28A0092B-C50C-407E-A947-70E740481C1C}">
                 <a14:useLocalDpi xmlns:a14="http://schemas.microsoft.com/office/drawing/2010/main" val="0"/>
               </a:ext>
             </a:extLst>
           </a:blip>
-          <a:srcRect l="952" r="952"/>
           <a:stretch>
             <a:fillRect/>
           </a:stretch>
         </p:blipFill>
         <p:spPr>
           <a:xfrm>
-            <a:off x="0" y="-1"/>
-            <a:ext cx="12192000" cy="5553075"/>
+            <a:off x="1771743" y="2014218"/>
+            <a:ext cx="8648514" cy="4340334"/>
           </a:xfrm>
         </p:spPr>
       </p:pic>
       <p:sp>
         <p:nvSpPr>
-          <p:cNvPr id="3" name="Tytuł 2">
-            <a:extLst>
-              <a:ext uri="{FF2B5EF4-FFF2-40B4-BE49-F238E27FC236}">
-                <a16:creationId xmlns:a16="http://schemas.microsoft.com/office/drawing/2014/main" id="{F6A4D65C-3575-DE75-ABA2-339E730BED2F}"/>
-              </a:ext>
-            </a:extLst>
-          </p:cNvPr>
-          <p:cNvSpPr>
-            <a:spLocks noGrp="1"/>
-          </p:cNvSpPr>
-          <p:nvPr>
-            <p:ph type="title"/>
-          </p:nvPr>
-        </p:nvSpPr>
-        <p:spPr>
-          <a:xfrm>
-            <a:off x="1039368" y="5416184"/>
-            <a:ext cx="10113645" cy="743682"/>
-          </a:xfrm>
-        </p:spPr>
+          <p:cNvPr id="4" name="Symbol zastępczy daty 3">
+            <a:extLst>
+              <a:ext uri="{FF2B5EF4-FFF2-40B4-BE49-F238E27FC236}">
+                <a16:creationId xmlns:a16="http://schemas.microsoft.com/office/drawing/2014/main" id="{E9A0D953-3C9C-67F4-CF72-2DBE5D394780}"/>
+              </a:ext>
+            </a:extLst>
+          </p:cNvPr>
+          <p:cNvSpPr>
+            <a:spLocks noGrp="1"/>
+          </p:cNvSpPr>
+          <p:nvPr>
+            <p:ph type="dt" sz="half" idx="10"/>
+          </p:nvPr>
+        </p:nvSpPr>
+        <p:spPr/>
         <p:txBody>
           <a:bodyPr/>
           <a:lstStyle/>
           <a:p>
-            <a:pPr algn="ctr"/>
-            <a:r>
-              <a:rPr lang="pl-PL" dirty="0"/>
-              <a:t>UML</a:t>
-            </a:r>
-          </a:p>
-        </p:txBody>
-      </p:sp>
-      <p:sp>
-        <p:nvSpPr>
-          <p:cNvPr id="4" name="Symbol zastępczy tekstu 3">
-            <a:extLst>
-              <a:ext uri="{FF2B5EF4-FFF2-40B4-BE49-F238E27FC236}">
-                <a16:creationId xmlns:a16="http://schemas.microsoft.com/office/drawing/2014/main" id="{EC5B6EEA-FCE0-C72C-266F-F29E1949F06E}"/>
-              </a:ext>
-            </a:extLst>
-          </p:cNvPr>
-          <p:cNvSpPr>
-            <a:spLocks noGrp="1"/>
-          </p:cNvSpPr>
-          <p:nvPr>
-            <p:ph type="body" sz="half" idx="2"/>
-          </p:nvPr>
-        </p:nvSpPr>
-        <p:spPr>
-          <a:xfrm>
-            <a:off x="1039368" y="6202363"/>
-            <a:ext cx="10113264" cy="609600"/>
-          </a:xfrm>
-        </p:spPr>
-        <p:txBody>
-          <a:bodyPr/>
-          <a:lstStyle/>
-          <a:p>
-            <a:pPr algn="ctr"/>
-            <a:r>
-              <a:rPr lang="pl-PL" dirty="0"/>
-              <a:t>Wykresy na stronie</a:t>
-            </a:r>
-          </a:p>
-        </p:txBody>
-      </p:sp>
-      <p:sp>
-        <p:nvSpPr>
-          <p:cNvPr id="5" name="Symbol zastępczy daty 4">
-            <a:extLst>
-              <a:ext uri="{FF2B5EF4-FFF2-40B4-BE49-F238E27FC236}">
-                <a16:creationId xmlns:a16="http://schemas.microsoft.com/office/drawing/2014/main" id="{86AEFBB5-6D75-C101-11BA-7DA718120F91}"/>
-              </a:ext>
-            </a:extLst>
-          </p:cNvPr>
-          <p:cNvSpPr>
-            <a:spLocks noGrp="1"/>
-          </p:cNvSpPr>
-          <p:nvPr>
-            <p:ph type="dt" sz="half" idx="10"/>
-          </p:nvPr>
-        </p:nvSpPr>
-        <p:spPr/>
-        <p:txBody>
-          <a:bodyPr/>
-          <a:lstStyle/>
-          <a:p>
             <a:pPr rtl="0"/>
-            <a:fld id="{4A1395F0-C132-4F04-9A22-D8E58D655E1C}" type="datetime1">
+            <a:fld id="{DA37154A-9283-472F-9D32-E032250E224B}" type="datetime1">
               <a:rPr lang="pl-PL" smtClean="0"/>
-              <a:t>17.11.2022</a:t>
+              <a:t>13.12.2022</a:t>
             </a:fld>
             <a:endParaRPr lang="en-US" dirty="0"/>
           </a:p>
@@ -4757,13 +5678,25 @@
     </p:spTree>
     <p:extLst>
       <p:ext uri="{BB962C8B-B14F-4D97-AF65-F5344CB8AC3E}">
-        <p14:creationId xmlns:p14="http://schemas.microsoft.com/office/powerpoint/2010/main" val="1138481438"/>
+        <p14:creationId xmlns:p14="http://schemas.microsoft.com/office/powerpoint/2010/main" val="2131692900"/>
       </p:ext>
     </p:extLst>
   </p:cSld>
   <p:clrMapOvr>
     <a:masterClrMapping/>
   </p:clrMapOvr>
+  <mc:AlternateContent xmlns:mc="http://schemas.openxmlformats.org/markup-compatibility/2006">
+    <mc:Choice xmlns:p14="http://schemas.microsoft.com/office/powerpoint/2010/main" Requires="p14">
+      <p:transition spd="med" p14:dur="700">
+        <p:fade/>
+      </p:transition>
+    </mc:Choice>
+    <mc:Fallback>
+      <p:transition spd="med">
+        <p:fade/>
+      </p:transition>
+    </mc:Fallback>
+  </mc:AlternateContent>
 </p:sld>
 </file>
 
@@ -4786,10 +5719,10 @@
       </p:grpSpPr>
       <p:sp>
         <p:nvSpPr>
-          <p:cNvPr id="3" name="Tytuł 2">
-            <a:extLst>
-              <a:ext uri="{FF2B5EF4-FFF2-40B4-BE49-F238E27FC236}">
-                <a16:creationId xmlns:a16="http://schemas.microsoft.com/office/drawing/2014/main" id="{F6A4D65C-3575-DE75-ABA2-339E730BED2F}"/>
+          <p:cNvPr id="2" name="Tytuł 1">
+            <a:extLst>
+              <a:ext uri="{FF2B5EF4-FFF2-40B4-BE49-F238E27FC236}">
+                <a16:creationId xmlns:a16="http://schemas.microsoft.com/office/drawing/2014/main" id="{4EE5753E-50AC-50CD-8F5E-71BF107617A6}"/>
               </a:ext>
             </a:extLst>
           </p:cNvPr>
@@ -4800,12 +5733,7 @@
             <p:ph type="title"/>
           </p:nvPr>
         </p:nvSpPr>
-        <p:spPr>
-          <a:xfrm>
-            <a:off x="1039368" y="5416184"/>
-            <a:ext cx="10113645" cy="743682"/>
-          </a:xfrm>
-        </p:spPr>
+        <p:spPr/>
         <p:txBody>
           <a:bodyPr/>
           <a:lstStyle/>
@@ -4813,81 +5741,50 @@
             <a:pPr algn="ctr"/>
             <a:r>
               <a:rPr lang="pl-PL" dirty="0"/>
-              <a:t>UML</a:t>
-            </a:r>
-          </a:p>
-        </p:txBody>
-      </p:sp>
-      <p:sp>
-        <p:nvSpPr>
-          <p:cNvPr id="4" name="Symbol zastępczy tekstu 3">
-            <a:extLst>
-              <a:ext uri="{FF2B5EF4-FFF2-40B4-BE49-F238E27FC236}">
-                <a16:creationId xmlns:a16="http://schemas.microsoft.com/office/drawing/2014/main" id="{EC5B6EEA-FCE0-C72C-266F-F29E1949F06E}"/>
-              </a:ext>
-            </a:extLst>
-          </p:cNvPr>
-          <p:cNvSpPr>
-            <a:spLocks noGrp="1"/>
-          </p:cNvSpPr>
-          <p:nvPr>
-            <p:ph type="body" sz="half" idx="2"/>
-          </p:nvPr>
-        </p:nvSpPr>
-        <p:spPr>
-          <a:xfrm>
-            <a:off x="1039368" y="6202363"/>
-            <a:ext cx="10113264" cy="609600"/>
+              <a:t>Wymagania funkcjonalne</a:t>
+            </a:r>
+          </a:p>
+        </p:txBody>
+      </p:sp>
+      <p:sp>
+        <p:nvSpPr>
+          <p:cNvPr id="3" name="Symbol zastępczy zawartości 2">
+            <a:extLst>
+              <a:ext uri="{FF2B5EF4-FFF2-40B4-BE49-F238E27FC236}">
+                <a16:creationId xmlns:a16="http://schemas.microsoft.com/office/drawing/2014/main" id="{8EF24EEB-BCF5-6E75-71D8-DBDE5C4C8502}"/>
+              </a:ext>
+            </a:extLst>
+          </p:cNvPr>
+          <p:cNvSpPr>
+            <a:spLocks noGrp="1"/>
+          </p:cNvSpPr>
+          <p:nvPr>
+            <p:ph sz="half" idx="1"/>
+          </p:nvPr>
+        </p:nvSpPr>
+        <p:spPr>
+          <a:xfrm>
+            <a:off x="1097280" y="3429000"/>
+            <a:ext cx="4639736" cy="2440093"/>
           </a:xfrm>
         </p:spPr>
         <p:txBody>
           <a:bodyPr/>
           <a:lstStyle/>
           <a:p>
-            <a:pPr algn="ctr"/>
             <a:r>
               <a:rPr lang="pl-PL" dirty="0"/>
-              <a:t>Top 10 najchętniej wybieranych</a:t>
-            </a:r>
-          </a:p>
-        </p:txBody>
-      </p:sp>
-      <p:sp>
-        <p:nvSpPr>
-          <p:cNvPr id="5" name="Symbol zastępczy daty 4">
-            <a:extLst>
-              <a:ext uri="{FF2B5EF4-FFF2-40B4-BE49-F238E27FC236}">
-                <a16:creationId xmlns:a16="http://schemas.microsoft.com/office/drawing/2014/main" id="{86AEFBB5-6D75-C101-11BA-7DA718120F91}"/>
-              </a:ext>
-            </a:extLst>
-          </p:cNvPr>
-          <p:cNvSpPr>
-            <a:spLocks noGrp="1"/>
-          </p:cNvSpPr>
-          <p:nvPr>
-            <p:ph type="dt" sz="half" idx="10"/>
-          </p:nvPr>
-        </p:nvSpPr>
-        <p:spPr/>
-        <p:txBody>
-          <a:bodyPr/>
-          <a:lstStyle/>
-          <a:p>
-            <a:pPr rtl="0"/>
-            <a:fld id="{4A1395F0-C132-4F04-9A22-D8E58D655E1C}" type="datetime1">
-              <a:rPr lang="pl-PL" smtClean="0"/>
-              <a:t>17.11.2022</a:t>
-            </a:fld>
-            <a:endParaRPr lang="en-US" dirty="0"/>
+              <a:t>Pozyskanie danych z serwera Amazon</a:t>
+            </a:r>
           </a:p>
         </p:txBody>
       </p:sp>
       <p:pic>
         <p:nvPicPr>
-          <p:cNvPr id="12" name="Symbol zastępczy obrazu 11">
-            <a:extLst>
-              <a:ext uri="{FF2B5EF4-FFF2-40B4-BE49-F238E27FC236}">
-                <a16:creationId xmlns:a16="http://schemas.microsoft.com/office/drawing/2014/main" id="{537E7554-C5C3-3471-6501-6F1701694952}"/>
+          <p:cNvPr id="7" name="Symbol zastępczy zawartości 6">
+            <a:extLst>
+              <a:ext uri="{FF2B5EF4-FFF2-40B4-BE49-F238E27FC236}">
+                <a16:creationId xmlns:a16="http://schemas.microsoft.com/office/drawing/2014/main" id="{753900FA-BCC6-F68E-ABD9-05DF97396721}"/>
               </a:ext>
             </a:extLst>
           </p:cNvPr>
@@ -4895,7 +5792,7 @@
             <a:picLocks noGrp="1" noChangeAspect="1"/>
           </p:cNvPicPr>
           <p:nvPr>
-            <p:ph type="pic" idx="1"/>
+            <p:ph sz="half" idx="2"/>
           </p:nvPr>
         </p:nvPicPr>
         <p:blipFill>
@@ -4906,28 +5803,69 @@
               </a:ext>
             </a:extLst>
           </a:blip>
-          <a:srcRect t="233" b="233"/>
           <a:stretch>
             <a:fillRect/>
           </a:stretch>
         </p:blipFill>
         <p:spPr>
           <a:xfrm>
-            <a:off x="0" y="0"/>
-            <a:ext cx="12192000" cy="5558971"/>
+            <a:off x="5737016" y="3171502"/>
+            <a:ext cx="5968379" cy="1841193"/>
           </a:xfrm>
         </p:spPr>
       </p:pic>
+      <p:sp>
+        <p:nvSpPr>
+          <p:cNvPr id="5" name="Symbol zastępczy daty 4">
+            <a:extLst>
+              <a:ext uri="{FF2B5EF4-FFF2-40B4-BE49-F238E27FC236}">
+                <a16:creationId xmlns:a16="http://schemas.microsoft.com/office/drawing/2014/main" id="{B62B241E-00B5-22C0-01A9-D4BDC5BCB5E8}"/>
+              </a:ext>
+            </a:extLst>
+          </p:cNvPr>
+          <p:cNvSpPr>
+            <a:spLocks noGrp="1"/>
+          </p:cNvSpPr>
+          <p:nvPr>
+            <p:ph type="dt" sz="half" idx="10"/>
+          </p:nvPr>
+        </p:nvSpPr>
+        <p:spPr/>
+        <p:txBody>
+          <a:bodyPr/>
+          <a:lstStyle/>
+          <a:p>
+            <a:pPr rtl="0"/>
+            <a:fld id="{6D9D7E3F-871E-42B9-88FB-12D60C8B3FED}" type="datetime1">
+              <a:rPr lang="pl-PL" smtClean="0"/>
+              <a:t>13.12.2022</a:t>
+            </a:fld>
+            <a:endParaRPr lang="en-US" dirty="0"/>
+          </a:p>
+        </p:txBody>
+      </p:sp>
     </p:spTree>
     <p:extLst>
       <p:ext uri="{BB962C8B-B14F-4D97-AF65-F5344CB8AC3E}">
-        <p14:creationId xmlns:p14="http://schemas.microsoft.com/office/powerpoint/2010/main" val="972484166"/>
+        <p14:creationId xmlns:p14="http://schemas.microsoft.com/office/powerpoint/2010/main" val="1706505207"/>
       </p:ext>
     </p:extLst>
   </p:cSld>
   <p:clrMapOvr>
     <a:masterClrMapping/>
   </p:clrMapOvr>
+  <mc:AlternateContent xmlns:mc="http://schemas.openxmlformats.org/markup-compatibility/2006">
+    <mc:Choice xmlns:p14="http://schemas.microsoft.com/office/powerpoint/2010/main" Requires="p14">
+      <p:transition spd="med" p14:dur="700">
+        <p:fade/>
+      </p:transition>
+    </mc:Choice>
+    <mc:Fallback>
+      <p:transition spd="med">
+        <p:fade/>
+      </p:transition>
+    </mc:Fallback>
+  </mc:AlternateContent>
 </p:sld>
 </file>
 
@@ -4950,10 +5888,10 @@
       </p:grpSpPr>
       <p:sp>
         <p:nvSpPr>
-          <p:cNvPr id="3" name="Tytuł 2">
-            <a:extLst>
-              <a:ext uri="{FF2B5EF4-FFF2-40B4-BE49-F238E27FC236}">
-                <a16:creationId xmlns:a16="http://schemas.microsoft.com/office/drawing/2014/main" id="{F6A4D65C-3575-DE75-ABA2-339E730BED2F}"/>
+          <p:cNvPr id="2" name="Tytuł 1">
+            <a:extLst>
+              <a:ext uri="{FF2B5EF4-FFF2-40B4-BE49-F238E27FC236}">
+                <a16:creationId xmlns:a16="http://schemas.microsoft.com/office/drawing/2014/main" id="{AEDAFBA8-348C-F45C-5395-F2261AB9DCBF}"/>
               </a:ext>
             </a:extLst>
           </p:cNvPr>
@@ -4964,12 +5902,7 @@
             <p:ph type="title"/>
           </p:nvPr>
         </p:nvSpPr>
-        <p:spPr>
-          <a:xfrm>
-            <a:off x="1039368" y="5416184"/>
-            <a:ext cx="10113645" cy="743682"/>
-          </a:xfrm>
-        </p:spPr>
+        <p:spPr/>
         <p:txBody>
           <a:bodyPr/>
           <a:lstStyle/>
@@ -4977,81 +5910,50 @@
             <a:pPr algn="ctr"/>
             <a:r>
               <a:rPr lang="pl-PL" dirty="0"/>
-              <a:t>UML</a:t>
-            </a:r>
-          </a:p>
-        </p:txBody>
-      </p:sp>
-      <p:sp>
-        <p:nvSpPr>
-          <p:cNvPr id="4" name="Symbol zastępczy tekstu 3">
-            <a:extLst>
-              <a:ext uri="{FF2B5EF4-FFF2-40B4-BE49-F238E27FC236}">
-                <a16:creationId xmlns:a16="http://schemas.microsoft.com/office/drawing/2014/main" id="{EC5B6EEA-FCE0-C72C-266F-F29E1949F06E}"/>
-              </a:ext>
-            </a:extLst>
-          </p:cNvPr>
-          <p:cNvSpPr>
-            <a:spLocks noGrp="1"/>
-          </p:cNvSpPr>
-          <p:nvPr>
-            <p:ph type="body" sz="half" idx="2"/>
-          </p:nvPr>
-        </p:nvSpPr>
-        <p:spPr>
-          <a:xfrm>
-            <a:off x="1039368" y="6202363"/>
-            <a:ext cx="10113264" cy="609600"/>
+              <a:t>Wymagania funkcjonalne </a:t>
+            </a:r>
+          </a:p>
+        </p:txBody>
+      </p:sp>
+      <p:sp>
+        <p:nvSpPr>
+          <p:cNvPr id="3" name="Symbol zastępczy zawartości 2">
+            <a:extLst>
+              <a:ext uri="{FF2B5EF4-FFF2-40B4-BE49-F238E27FC236}">
+                <a16:creationId xmlns:a16="http://schemas.microsoft.com/office/drawing/2014/main" id="{F6468BA1-2ACE-4C7A-B9B5-9D237EDDBBDC}"/>
+              </a:ext>
+            </a:extLst>
+          </p:cNvPr>
+          <p:cNvSpPr>
+            <a:spLocks noGrp="1"/>
+          </p:cNvSpPr>
+          <p:nvPr>
+            <p:ph sz="half" idx="1"/>
+          </p:nvPr>
+        </p:nvSpPr>
+        <p:spPr>
+          <a:xfrm>
+            <a:off x="1097280" y="3429000"/>
+            <a:ext cx="4639736" cy="2440093"/>
           </a:xfrm>
         </p:spPr>
         <p:txBody>
           <a:bodyPr/>
           <a:lstStyle/>
           <a:p>
-            <a:pPr algn="ctr"/>
             <a:r>
               <a:rPr lang="pl-PL" dirty="0"/>
-              <a:t>Top 10 najchętniej wybieranych</a:t>
-            </a:r>
-          </a:p>
-        </p:txBody>
-      </p:sp>
-      <p:sp>
-        <p:nvSpPr>
-          <p:cNvPr id="5" name="Symbol zastępczy daty 4">
-            <a:extLst>
-              <a:ext uri="{FF2B5EF4-FFF2-40B4-BE49-F238E27FC236}">
-                <a16:creationId xmlns:a16="http://schemas.microsoft.com/office/drawing/2014/main" id="{86AEFBB5-6D75-C101-11BA-7DA718120F91}"/>
-              </a:ext>
-            </a:extLst>
-          </p:cNvPr>
-          <p:cNvSpPr>
-            <a:spLocks noGrp="1"/>
-          </p:cNvSpPr>
-          <p:nvPr>
-            <p:ph type="dt" sz="half" idx="10"/>
-          </p:nvPr>
-        </p:nvSpPr>
-        <p:spPr/>
-        <p:txBody>
-          <a:bodyPr/>
-          <a:lstStyle/>
-          <a:p>
-            <a:pPr rtl="0"/>
-            <a:fld id="{4A1395F0-C132-4F04-9A22-D8E58D655E1C}" type="datetime1">
-              <a:rPr lang="pl-PL" smtClean="0"/>
-              <a:t>17.11.2022</a:t>
-            </a:fld>
-            <a:endParaRPr lang="en-US" dirty="0"/>
+              <a:t>Integracja API z aplikacją internetową do skonstruowania diagramu na stronie</a:t>
+            </a:r>
           </a:p>
         </p:txBody>
       </p:sp>
       <p:pic>
         <p:nvPicPr>
-          <p:cNvPr id="10" name="Symbol zastępczy obrazu 9">
-            <a:extLst>
-              <a:ext uri="{FF2B5EF4-FFF2-40B4-BE49-F238E27FC236}">
-                <a16:creationId xmlns:a16="http://schemas.microsoft.com/office/drawing/2014/main" id="{27D9C3CF-72C6-2C8B-2105-B34657D1C6C6}"/>
+          <p:cNvPr id="7" name="Symbol zastępczy zawartości 6">
+            <a:extLst>
+              <a:ext uri="{FF2B5EF4-FFF2-40B4-BE49-F238E27FC236}">
+                <a16:creationId xmlns:a16="http://schemas.microsoft.com/office/drawing/2014/main" id="{818769E2-5719-7533-0582-66209003DC80}"/>
               </a:ext>
             </a:extLst>
           </p:cNvPr>
@@ -5059,7 +5961,7 @@
             <a:picLocks noGrp="1" noChangeAspect="1"/>
           </p:cNvPicPr>
           <p:nvPr>
-            <p:ph type="pic" idx="1"/>
+            <p:ph sz="half" idx="2"/>
           </p:nvPr>
         </p:nvPicPr>
         <p:blipFill>
@@ -5070,28 +5972,917 @@
               </a:ext>
             </a:extLst>
           </a:blip>
-          <a:srcRect l="1496" r="1496"/>
           <a:stretch>
             <a:fillRect/>
           </a:stretch>
         </p:blipFill>
         <p:spPr>
           <a:xfrm>
-            <a:off x="0" y="1"/>
-            <a:ext cx="12192000" cy="5553074"/>
+            <a:off x="6573476" y="1929129"/>
+            <a:ext cx="4116935" cy="4435107"/>
           </a:xfrm>
         </p:spPr>
       </p:pic>
+      <p:sp>
+        <p:nvSpPr>
+          <p:cNvPr id="5" name="Symbol zastępczy daty 4">
+            <a:extLst>
+              <a:ext uri="{FF2B5EF4-FFF2-40B4-BE49-F238E27FC236}">
+                <a16:creationId xmlns:a16="http://schemas.microsoft.com/office/drawing/2014/main" id="{E9528968-426C-A369-0380-7583A8B676C1}"/>
+              </a:ext>
+            </a:extLst>
+          </p:cNvPr>
+          <p:cNvSpPr>
+            <a:spLocks noGrp="1"/>
+          </p:cNvSpPr>
+          <p:nvPr>
+            <p:ph type="dt" sz="half" idx="10"/>
+          </p:nvPr>
+        </p:nvSpPr>
+        <p:spPr/>
+        <p:txBody>
+          <a:bodyPr/>
+          <a:lstStyle/>
+          <a:p>
+            <a:pPr rtl="0"/>
+            <a:fld id="{6D9D7E3F-871E-42B9-88FB-12D60C8B3FED}" type="datetime1">
+              <a:rPr lang="pl-PL" smtClean="0"/>
+              <a:t>13.12.2022</a:t>
+            </a:fld>
+            <a:endParaRPr lang="en-US" dirty="0"/>
+          </a:p>
+        </p:txBody>
+      </p:sp>
     </p:spTree>
     <p:extLst>
       <p:ext uri="{BB962C8B-B14F-4D97-AF65-F5344CB8AC3E}">
-        <p14:creationId xmlns:p14="http://schemas.microsoft.com/office/powerpoint/2010/main" val="1900010805"/>
+        <p14:creationId xmlns:p14="http://schemas.microsoft.com/office/powerpoint/2010/main" val="1983203767"/>
       </p:ext>
     </p:extLst>
   </p:cSld>
   <p:clrMapOvr>
     <a:masterClrMapping/>
   </p:clrMapOvr>
+  <mc:AlternateContent xmlns:mc="http://schemas.openxmlformats.org/markup-compatibility/2006">
+    <mc:Choice xmlns:p14="http://schemas.microsoft.com/office/powerpoint/2010/main" Requires="p14">
+      <p:transition spd="med" p14:dur="700">
+        <p:fade/>
+      </p:transition>
+    </mc:Choice>
+    <mc:Fallback>
+      <p:transition spd="med">
+        <p:fade/>
+      </p:transition>
+    </mc:Fallback>
+  </mc:AlternateContent>
+</p:sld>
+</file>
+
+<file path=ppt/slides/slide5.xml><?xml version="1.0" encoding="utf-8"?>
+<p:sld xmlns:a="http://schemas.openxmlformats.org/drawingml/2006/main" xmlns:r="http://schemas.openxmlformats.org/officeDocument/2006/relationships" xmlns:p="http://schemas.openxmlformats.org/presentationml/2006/main">
+  <p:cSld>
+    <p:spTree>
+      <p:nvGrpSpPr>
+        <p:cNvPr id="1" name=""/>
+        <p:cNvGrpSpPr/>
+        <p:nvPr/>
+      </p:nvGrpSpPr>
+      <p:grpSpPr>
+        <a:xfrm>
+          <a:off x="0" y="0"/>
+          <a:ext cx="0" cy="0"/>
+          <a:chOff x="0" y="0"/>
+          <a:chExt cx="0" cy="0"/>
+        </a:xfrm>
+      </p:grpSpPr>
+      <p:sp>
+        <p:nvSpPr>
+          <p:cNvPr id="2" name="Tytuł 1">
+            <a:extLst>
+              <a:ext uri="{FF2B5EF4-FFF2-40B4-BE49-F238E27FC236}">
+                <a16:creationId xmlns:a16="http://schemas.microsoft.com/office/drawing/2014/main" id="{4C3C57AA-DAAC-21F8-7B1D-BA93A3519708}"/>
+              </a:ext>
+            </a:extLst>
+          </p:cNvPr>
+          <p:cNvSpPr>
+            <a:spLocks noGrp="1"/>
+          </p:cNvSpPr>
+          <p:nvPr>
+            <p:ph type="title"/>
+          </p:nvPr>
+        </p:nvSpPr>
+        <p:spPr/>
+        <p:txBody>
+          <a:bodyPr/>
+          <a:lstStyle/>
+          <a:p>
+            <a:pPr algn="ctr"/>
+            <a:r>
+              <a:rPr lang="pl-PL" dirty="0"/>
+              <a:t>Wymagania funkcjonalne </a:t>
+            </a:r>
+          </a:p>
+        </p:txBody>
+      </p:sp>
+      <p:sp>
+        <p:nvSpPr>
+          <p:cNvPr id="3" name="Symbol zastępczy zawartości 2">
+            <a:extLst>
+              <a:ext uri="{FF2B5EF4-FFF2-40B4-BE49-F238E27FC236}">
+                <a16:creationId xmlns:a16="http://schemas.microsoft.com/office/drawing/2014/main" id="{C9F1F769-4469-4B60-29FB-098C144F8889}"/>
+              </a:ext>
+            </a:extLst>
+          </p:cNvPr>
+          <p:cNvSpPr>
+            <a:spLocks noGrp="1"/>
+          </p:cNvSpPr>
+          <p:nvPr>
+            <p:ph sz="half" idx="1"/>
+          </p:nvPr>
+        </p:nvSpPr>
+        <p:spPr>
+          <a:xfrm>
+            <a:off x="1097280" y="3429000"/>
+            <a:ext cx="4639736" cy="2440093"/>
+          </a:xfrm>
+        </p:spPr>
+        <p:txBody>
+          <a:bodyPr/>
+          <a:lstStyle/>
+          <a:p>
+            <a:r>
+              <a:rPr lang="pl-PL" dirty="0"/>
+              <a:t>Przechowywanie danych za pomocą nierelacyjnej bazy poprawiająca  szybkość wyszukiwania danych</a:t>
+            </a:r>
+          </a:p>
+        </p:txBody>
+      </p:sp>
+      <p:pic>
+        <p:nvPicPr>
+          <p:cNvPr id="7" name="Symbol zastępczy zawartości 6">
+            <a:extLst>
+              <a:ext uri="{FF2B5EF4-FFF2-40B4-BE49-F238E27FC236}">
+                <a16:creationId xmlns:a16="http://schemas.microsoft.com/office/drawing/2014/main" id="{DFB2FC05-D5CE-6F19-D8F7-5365F605757E}"/>
+              </a:ext>
+            </a:extLst>
+          </p:cNvPr>
+          <p:cNvPicPr>
+            <a:picLocks noGrp="1" noChangeAspect="1"/>
+          </p:cNvPicPr>
+          <p:nvPr>
+            <p:ph sz="half" idx="2"/>
+          </p:nvPr>
+        </p:nvPicPr>
+        <p:blipFill>
+          <a:blip r:embed="rId2">
+            <a:extLst>
+              <a:ext uri="{28A0092B-C50C-407E-A947-70E740481C1C}">
+                <a14:useLocalDpi xmlns:a14="http://schemas.microsoft.com/office/drawing/2010/main" val="0"/>
+              </a:ext>
+            </a:extLst>
+          </a:blip>
+          <a:stretch>
+            <a:fillRect/>
+          </a:stretch>
+        </p:blipFill>
+        <p:spPr>
+          <a:xfrm>
+            <a:off x="6384131" y="2120900"/>
+            <a:ext cx="4325938" cy="4325938"/>
+          </a:xfrm>
+        </p:spPr>
+      </p:pic>
+      <p:sp>
+        <p:nvSpPr>
+          <p:cNvPr id="5" name="Symbol zastępczy daty 4">
+            <a:extLst>
+              <a:ext uri="{FF2B5EF4-FFF2-40B4-BE49-F238E27FC236}">
+                <a16:creationId xmlns:a16="http://schemas.microsoft.com/office/drawing/2014/main" id="{1B5281BE-6431-677F-68C3-D349FE48F4A6}"/>
+              </a:ext>
+            </a:extLst>
+          </p:cNvPr>
+          <p:cNvSpPr>
+            <a:spLocks noGrp="1"/>
+          </p:cNvSpPr>
+          <p:nvPr>
+            <p:ph type="dt" sz="half" idx="10"/>
+          </p:nvPr>
+        </p:nvSpPr>
+        <p:spPr/>
+        <p:txBody>
+          <a:bodyPr/>
+          <a:lstStyle/>
+          <a:p>
+            <a:pPr rtl="0"/>
+            <a:fld id="{6D9D7E3F-871E-42B9-88FB-12D60C8B3FED}" type="datetime1">
+              <a:rPr lang="pl-PL" smtClean="0"/>
+              <a:t>13.12.2022</a:t>
+            </a:fld>
+            <a:endParaRPr lang="en-US" dirty="0"/>
+          </a:p>
+        </p:txBody>
+      </p:sp>
+    </p:spTree>
+    <p:extLst>
+      <p:ext uri="{BB962C8B-B14F-4D97-AF65-F5344CB8AC3E}">
+        <p14:creationId xmlns:p14="http://schemas.microsoft.com/office/powerpoint/2010/main" val="1886073565"/>
+      </p:ext>
+    </p:extLst>
+  </p:cSld>
+  <p:clrMapOvr>
+    <a:masterClrMapping/>
+  </p:clrMapOvr>
+  <mc:AlternateContent xmlns:mc="http://schemas.openxmlformats.org/markup-compatibility/2006">
+    <mc:Choice xmlns:p14="http://schemas.microsoft.com/office/powerpoint/2010/main" Requires="p14">
+      <p:transition spd="med" p14:dur="700">
+        <p:fade/>
+      </p:transition>
+    </mc:Choice>
+    <mc:Fallback>
+      <p:transition spd="med">
+        <p:fade/>
+      </p:transition>
+    </mc:Fallback>
+  </mc:AlternateContent>
+</p:sld>
+</file>
+
+<file path=ppt/slides/slide6.xml><?xml version="1.0" encoding="utf-8"?>
+<p:sld xmlns:a="http://schemas.openxmlformats.org/drawingml/2006/main" xmlns:r="http://schemas.openxmlformats.org/officeDocument/2006/relationships" xmlns:p="http://schemas.openxmlformats.org/presentationml/2006/main">
+  <p:cSld>
+    <p:spTree>
+      <p:nvGrpSpPr>
+        <p:cNvPr id="1" name=""/>
+        <p:cNvGrpSpPr/>
+        <p:nvPr/>
+      </p:nvGrpSpPr>
+      <p:grpSpPr>
+        <a:xfrm>
+          <a:off x="0" y="0"/>
+          <a:ext cx="0" cy="0"/>
+          <a:chOff x="0" y="0"/>
+          <a:chExt cx="0" cy="0"/>
+        </a:xfrm>
+      </p:grpSpPr>
+      <p:sp>
+        <p:nvSpPr>
+          <p:cNvPr id="2" name="Tytuł 1">
+            <a:extLst>
+              <a:ext uri="{FF2B5EF4-FFF2-40B4-BE49-F238E27FC236}">
+                <a16:creationId xmlns:a16="http://schemas.microsoft.com/office/drawing/2014/main" id="{4EE5753E-50AC-50CD-8F5E-71BF107617A6}"/>
+              </a:ext>
+            </a:extLst>
+          </p:cNvPr>
+          <p:cNvSpPr>
+            <a:spLocks noGrp="1"/>
+          </p:cNvSpPr>
+          <p:nvPr>
+            <p:ph type="title"/>
+          </p:nvPr>
+        </p:nvSpPr>
+        <p:spPr/>
+        <p:txBody>
+          <a:bodyPr/>
+          <a:lstStyle/>
+          <a:p>
+            <a:pPr algn="ctr"/>
+            <a:r>
+              <a:rPr lang="pl-PL" dirty="0"/>
+              <a:t>Wymagania funkcjonalne</a:t>
+            </a:r>
+          </a:p>
+        </p:txBody>
+      </p:sp>
+      <p:sp>
+        <p:nvSpPr>
+          <p:cNvPr id="3" name="Symbol zastępczy zawartości 2">
+            <a:extLst>
+              <a:ext uri="{FF2B5EF4-FFF2-40B4-BE49-F238E27FC236}">
+                <a16:creationId xmlns:a16="http://schemas.microsoft.com/office/drawing/2014/main" id="{8EF24EEB-BCF5-6E75-71D8-DBDE5C4C8502}"/>
+              </a:ext>
+            </a:extLst>
+          </p:cNvPr>
+          <p:cNvSpPr>
+            <a:spLocks noGrp="1"/>
+          </p:cNvSpPr>
+          <p:nvPr>
+            <p:ph sz="half" idx="1"/>
+          </p:nvPr>
+        </p:nvSpPr>
+        <p:spPr>
+          <a:xfrm>
+            <a:off x="1097280" y="3429000"/>
+            <a:ext cx="4639736" cy="2440093"/>
+          </a:xfrm>
+        </p:spPr>
+        <p:txBody>
+          <a:bodyPr/>
+          <a:lstStyle/>
+          <a:p>
+            <a:r>
+              <a:rPr lang="pl-PL" dirty="0"/>
+              <a:t>Prezentacja danych spełniając wymogi responsywne</a:t>
+            </a:r>
+          </a:p>
+        </p:txBody>
+      </p:sp>
+      <p:pic>
+        <p:nvPicPr>
+          <p:cNvPr id="7" name="Symbol zastępczy zawartości 6">
+            <a:extLst>
+              <a:ext uri="{FF2B5EF4-FFF2-40B4-BE49-F238E27FC236}">
+                <a16:creationId xmlns:a16="http://schemas.microsoft.com/office/drawing/2014/main" id="{690DA477-4900-7577-BDE8-6C09726DED4A}"/>
+              </a:ext>
+            </a:extLst>
+          </p:cNvPr>
+          <p:cNvPicPr>
+            <a:picLocks noGrp="1" noChangeAspect="1"/>
+          </p:cNvPicPr>
+          <p:nvPr>
+            <p:ph sz="half" idx="2"/>
+          </p:nvPr>
+        </p:nvPicPr>
+        <p:blipFill>
+          <a:blip r:embed="rId2">
+            <a:extLst>
+              <a:ext uri="{28A0092B-C50C-407E-A947-70E740481C1C}">
+                <a14:useLocalDpi xmlns:a14="http://schemas.microsoft.com/office/drawing/2010/main" val="0"/>
+              </a:ext>
+            </a:extLst>
+          </a:blip>
+          <a:stretch>
+            <a:fillRect/>
+          </a:stretch>
+        </p:blipFill>
+        <p:spPr>
+          <a:xfrm>
+            <a:off x="6629796" y="4072413"/>
+            <a:ext cx="4638675" cy="2265004"/>
+          </a:xfrm>
+        </p:spPr>
+      </p:pic>
+      <p:sp>
+        <p:nvSpPr>
+          <p:cNvPr id="5" name="Symbol zastępczy daty 4">
+            <a:extLst>
+              <a:ext uri="{FF2B5EF4-FFF2-40B4-BE49-F238E27FC236}">
+                <a16:creationId xmlns:a16="http://schemas.microsoft.com/office/drawing/2014/main" id="{B62B241E-00B5-22C0-01A9-D4BDC5BCB5E8}"/>
+              </a:ext>
+            </a:extLst>
+          </p:cNvPr>
+          <p:cNvSpPr>
+            <a:spLocks noGrp="1"/>
+          </p:cNvSpPr>
+          <p:nvPr>
+            <p:ph type="dt" sz="half" idx="10"/>
+          </p:nvPr>
+        </p:nvSpPr>
+        <p:spPr/>
+        <p:txBody>
+          <a:bodyPr/>
+          <a:lstStyle/>
+          <a:p>
+            <a:pPr rtl="0"/>
+            <a:fld id="{6D9D7E3F-871E-42B9-88FB-12D60C8B3FED}" type="datetime1">
+              <a:rPr lang="pl-PL" smtClean="0"/>
+              <a:t>13.12.2022</a:t>
+            </a:fld>
+            <a:endParaRPr lang="en-US" dirty="0"/>
+          </a:p>
+        </p:txBody>
+      </p:sp>
+      <p:pic>
+        <p:nvPicPr>
+          <p:cNvPr id="9" name="Obraz 8">
+            <a:extLst>
+              <a:ext uri="{FF2B5EF4-FFF2-40B4-BE49-F238E27FC236}">
+                <a16:creationId xmlns:a16="http://schemas.microsoft.com/office/drawing/2014/main" id="{4178CDA0-A3A7-0DB9-4AE8-C015B159E031}"/>
+              </a:ext>
+            </a:extLst>
+          </p:cNvPr>
+          <p:cNvPicPr>
+            <a:picLocks noChangeAspect="1"/>
+          </p:cNvPicPr>
+          <p:nvPr/>
+        </p:nvPicPr>
+        <p:blipFill>
+          <a:blip r:embed="rId3">
+            <a:extLst>
+              <a:ext uri="{28A0092B-C50C-407E-A947-70E740481C1C}">
+                <a14:useLocalDpi xmlns:a14="http://schemas.microsoft.com/office/drawing/2010/main" val="0"/>
+              </a:ext>
+            </a:extLst>
+          </a:blip>
+          <a:stretch>
+            <a:fillRect/>
+          </a:stretch>
+        </p:blipFill>
+        <p:spPr>
+          <a:xfrm>
+            <a:off x="7656707" y="1968307"/>
+            <a:ext cx="2584851" cy="2049395"/>
+          </a:xfrm>
+          <a:prstGeom prst="rect">
+            <a:avLst/>
+          </a:prstGeom>
+        </p:spPr>
+      </p:pic>
+    </p:spTree>
+    <p:extLst>
+      <p:ext uri="{BB962C8B-B14F-4D97-AF65-F5344CB8AC3E}">
+        <p14:creationId xmlns:p14="http://schemas.microsoft.com/office/powerpoint/2010/main" val="1082407970"/>
+      </p:ext>
+    </p:extLst>
+  </p:cSld>
+  <p:clrMapOvr>
+    <a:masterClrMapping/>
+  </p:clrMapOvr>
+  <mc:AlternateContent xmlns:mc="http://schemas.openxmlformats.org/markup-compatibility/2006">
+    <mc:Choice xmlns:p14="http://schemas.microsoft.com/office/powerpoint/2010/main" Requires="p14">
+      <p:transition spd="med" p14:dur="700">
+        <p:fade/>
+      </p:transition>
+    </mc:Choice>
+    <mc:Fallback>
+      <p:transition spd="med">
+        <p:fade/>
+      </p:transition>
+    </mc:Fallback>
+  </mc:AlternateContent>
+</p:sld>
+</file>
+
+<file path=ppt/slides/slide7.xml><?xml version="1.0" encoding="utf-8"?>
+<p:sld xmlns:a="http://schemas.openxmlformats.org/drawingml/2006/main" xmlns:r="http://schemas.openxmlformats.org/officeDocument/2006/relationships" xmlns:p="http://schemas.openxmlformats.org/presentationml/2006/main">
+  <p:cSld>
+    <p:spTree>
+      <p:nvGrpSpPr>
+        <p:cNvPr id="1" name=""/>
+        <p:cNvGrpSpPr/>
+        <p:nvPr/>
+      </p:nvGrpSpPr>
+      <p:grpSpPr>
+        <a:xfrm>
+          <a:off x="0" y="0"/>
+          <a:ext cx="0" cy="0"/>
+          <a:chOff x="0" y="0"/>
+          <a:chExt cx="0" cy="0"/>
+        </a:xfrm>
+      </p:grpSpPr>
+      <p:sp>
+        <p:nvSpPr>
+          <p:cNvPr id="2" name="Tytuł 1">
+            <a:extLst>
+              <a:ext uri="{FF2B5EF4-FFF2-40B4-BE49-F238E27FC236}">
+                <a16:creationId xmlns:a16="http://schemas.microsoft.com/office/drawing/2014/main" id="{4EE5753E-50AC-50CD-8F5E-71BF107617A6}"/>
+              </a:ext>
+            </a:extLst>
+          </p:cNvPr>
+          <p:cNvSpPr>
+            <a:spLocks noGrp="1"/>
+          </p:cNvSpPr>
+          <p:nvPr>
+            <p:ph type="title"/>
+          </p:nvPr>
+        </p:nvSpPr>
+        <p:spPr/>
+        <p:txBody>
+          <a:bodyPr/>
+          <a:lstStyle/>
+          <a:p>
+            <a:pPr algn="ctr"/>
+            <a:r>
+              <a:rPr lang="pl-PL" dirty="0"/>
+              <a:t>Wymagania funkcjonalne</a:t>
+            </a:r>
+          </a:p>
+        </p:txBody>
+      </p:sp>
+      <p:sp>
+        <p:nvSpPr>
+          <p:cNvPr id="3" name="Symbol zastępczy zawartości 2">
+            <a:extLst>
+              <a:ext uri="{FF2B5EF4-FFF2-40B4-BE49-F238E27FC236}">
+                <a16:creationId xmlns:a16="http://schemas.microsoft.com/office/drawing/2014/main" id="{8EF24EEB-BCF5-6E75-71D8-DBDE5C4C8502}"/>
+              </a:ext>
+            </a:extLst>
+          </p:cNvPr>
+          <p:cNvSpPr>
+            <a:spLocks noGrp="1"/>
+          </p:cNvSpPr>
+          <p:nvPr>
+            <p:ph sz="half" idx="1"/>
+          </p:nvPr>
+        </p:nvSpPr>
+        <p:spPr>
+          <a:xfrm>
+            <a:off x="1097280" y="3429000"/>
+            <a:ext cx="4639736" cy="2440093"/>
+          </a:xfrm>
+        </p:spPr>
+        <p:txBody>
+          <a:bodyPr/>
+          <a:lstStyle/>
+          <a:p>
+            <a:r>
+              <a:rPr lang="pl-PL" dirty="0"/>
+              <a:t>Sortowanie po cenie oraz po wiarygodności zakupu wyliczonej za pomocą stosunku liczby opinii do ich ocen</a:t>
+            </a:r>
+          </a:p>
+        </p:txBody>
+      </p:sp>
+      <p:pic>
+        <p:nvPicPr>
+          <p:cNvPr id="7" name="Symbol zastępczy zawartości 6">
+            <a:extLst>
+              <a:ext uri="{FF2B5EF4-FFF2-40B4-BE49-F238E27FC236}">
+                <a16:creationId xmlns:a16="http://schemas.microsoft.com/office/drawing/2014/main" id="{04CDD4EC-5D0C-B9B1-6BC0-66135A671A44}"/>
+              </a:ext>
+            </a:extLst>
+          </p:cNvPr>
+          <p:cNvPicPr>
+            <a:picLocks noGrp="1" noChangeAspect="1"/>
+          </p:cNvPicPr>
+          <p:nvPr>
+            <p:ph sz="half" idx="2"/>
+          </p:nvPr>
+        </p:nvPicPr>
+        <p:blipFill>
+          <a:blip r:embed="rId2">
+            <a:extLst>
+              <a:ext uri="{28A0092B-C50C-407E-A947-70E740481C1C}">
+                <a14:useLocalDpi xmlns:a14="http://schemas.microsoft.com/office/drawing/2010/main" val="0"/>
+              </a:ext>
+            </a:extLst>
+          </a:blip>
+          <a:stretch>
+            <a:fillRect/>
+          </a:stretch>
+        </p:blipFill>
+        <p:spPr>
+          <a:xfrm>
+            <a:off x="6516688" y="3229705"/>
+            <a:ext cx="4638675" cy="1530478"/>
+          </a:xfrm>
+        </p:spPr>
+      </p:pic>
+      <p:sp>
+        <p:nvSpPr>
+          <p:cNvPr id="5" name="Symbol zastępczy daty 4">
+            <a:extLst>
+              <a:ext uri="{FF2B5EF4-FFF2-40B4-BE49-F238E27FC236}">
+                <a16:creationId xmlns:a16="http://schemas.microsoft.com/office/drawing/2014/main" id="{B62B241E-00B5-22C0-01A9-D4BDC5BCB5E8}"/>
+              </a:ext>
+            </a:extLst>
+          </p:cNvPr>
+          <p:cNvSpPr>
+            <a:spLocks noGrp="1"/>
+          </p:cNvSpPr>
+          <p:nvPr>
+            <p:ph type="dt" sz="half" idx="10"/>
+          </p:nvPr>
+        </p:nvSpPr>
+        <p:spPr/>
+        <p:txBody>
+          <a:bodyPr/>
+          <a:lstStyle/>
+          <a:p>
+            <a:pPr rtl="0"/>
+            <a:fld id="{6D9D7E3F-871E-42B9-88FB-12D60C8B3FED}" type="datetime1">
+              <a:rPr lang="pl-PL" smtClean="0"/>
+              <a:t>13.12.2022</a:t>
+            </a:fld>
+            <a:endParaRPr lang="en-US" dirty="0"/>
+          </a:p>
+        </p:txBody>
+      </p:sp>
+    </p:spTree>
+    <p:extLst>
+      <p:ext uri="{BB962C8B-B14F-4D97-AF65-F5344CB8AC3E}">
+        <p14:creationId xmlns:p14="http://schemas.microsoft.com/office/powerpoint/2010/main" val="1040717678"/>
+      </p:ext>
+    </p:extLst>
+  </p:cSld>
+  <p:clrMapOvr>
+    <a:masterClrMapping/>
+  </p:clrMapOvr>
+  <mc:AlternateContent xmlns:mc="http://schemas.openxmlformats.org/markup-compatibility/2006">
+    <mc:Choice xmlns:p14="http://schemas.microsoft.com/office/powerpoint/2010/main" Requires="p14">
+      <p:transition spd="med" p14:dur="700">
+        <p:fade/>
+      </p:transition>
+    </mc:Choice>
+    <mc:Fallback>
+      <p:transition spd="med">
+        <p:fade/>
+      </p:transition>
+    </mc:Fallback>
+  </mc:AlternateContent>
+</p:sld>
+</file>
+
+<file path=ppt/slides/slide8.xml><?xml version="1.0" encoding="utf-8"?>
+<p:sld xmlns:a="http://schemas.openxmlformats.org/drawingml/2006/main" xmlns:r="http://schemas.openxmlformats.org/officeDocument/2006/relationships" xmlns:p="http://schemas.openxmlformats.org/presentationml/2006/main">
+  <p:cSld>
+    <p:spTree>
+      <p:nvGrpSpPr>
+        <p:cNvPr id="1" name=""/>
+        <p:cNvGrpSpPr/>
+        <p:nvPr/>
+      </p:nvGrpSpPr>
+      <p:grpSpPr>
+        <a:xfrm>
+          <a:off x="0" y="0"/>
+          <a:ext cx="0" cy="0"/>
+          <a:chOff x="0" y="0"/>
+          <a:chExt cx="0" cy="0"/>
+        </a:xfrm>
+      </p:grpSpPr>
+      <p:sp>
+        <p:nvSpPr>
+          <p:cNvPr id="2" name="Tytuł 1">
+            <a:extLst>
+              <a:ext uri="{FF2B5EF4-FFF2-40B4-BE49-F238E27FC236}">
+                <a16:creationId xmlns:a16="http://schemas.microsoft.com/office/drawing/2014/main" id="{885695F6-216D-77C1-DA6D-FCB1CA4CE56E}"/>
+              </a:ext>
+            </a:extLst>
+          </p:cNvPr>
+          <p:cNvSpPr>
+            <a:spLocks noGrp="1"/>
+          </p:cNvSpPr>
+          <p:nvPr>
+            <p:ph type="title"/>
+          </p:nvPr>
+        </p:nvSpPr>
+        <p:spPr/>
+        <p:txBody>
+          <a:bodyPr/>
+          <a:lstStyle/>
+          <a:p>
+            <a:pPr algn="ctr"/>
+            <a:r>
+              <a:rPr lang="pl-PL" dirty="0"/>
+              <a:t>Wymagania niefunkcjonalne</a:t>
+            </a:r>
+          </a:p>
+        </p:txBody>
+      </p:sp>
+      <p:sp>
+        <p:nvSpPr>
+          <p:cNvPr id="4" name="Symbol zastępczy daty 3">
+            <a:extLst>
+              <a:ext uri="{FF2B5EF4-FFF2-40B4-BE49-F238E27FC236}">
+                <a16:creationId xmlns:a16="http://schemas.microsoft.com/office/drawing/2014/main" id="{E9A0D953-3C9C-67F4-CF72-2DBE5D394780}"/>
+              </a:ext>
+            </a:extLst>
+          </p:cNvPr>
+          <p:cNvSpPr>
+            <a:spLocks noGrp="1"/>
+          </p:cNvSpPr>
+          <p:nvPr>
+            <p:ph type="dt" sz="half" idx="10"/>
+          </p:nvPr>
+        </p:nvSpPr>
+        <p:spPr/>
+        <p:txBody>
+          <a:bodyPr/>
+          <a:lstStyle/>
+          <a:p>
+            <a:pPr rtl="0"/>
+            <a:fld id="{DA37154A-9283-472F-9D32-E032250E224B}" type="datetime1">
+              <a:rPr lang="pl-PL" smtClean="0"/>
+              <a:t>13.12.2022</a:t>
+            </a:fld>
+            <a:endParaRPr lang="en-US" dirty="0"/>
+          </a:p>
+        </p:txBody>
+      </p:sp>
+      <p:pic>
+        <p:nvPicPr>
+          <p:cNvPr id="8" name="Symbol zastępczy zawartości 7">
+            <a:extLst>
+              <a:ext uri="{FF2B5EF4-FFF2-40B4-BE49-F238E27FC236}">
+                <a16:creationId xmlns:a16="http://schemas.microsoft.com/office/drawing/2014/main" id="{19BC89A5-B010-F6D1-0115-01F883960108}"/>
+              </a:ext>
+            </a:extLst>
+          </p:cNvPr>
+          <p:cNvPicPr>
+            <a:picLocks noGrp="1" noChangeAspect="1"/>
+          </p:cNvPicPr>
+          <p:nvPr>
+            <p:ph idx="1"/>
+          </p:nvPr>
+        </p:nvPicPr>
+        <p:blipFill>
+          <a:blip r:embed="rId2">
+            <a:extLst>
+              <a:ext uri="{28A0092B-C50C-407E-A947-70E740481C1C}">
+                <a14:useLocalDpi xmlns:a14="http://schemas.microsoft.com/office/drawing/2010/main" val="0"/>
+              </a:ext>
+            </a:extLst>
+          </a:blip>
+          <a:stretch>
+            <a:fillRect/>
+          </a:stretch>
+        </p:blipFill>
+        <p:spPr>
+          <a:xfrm>
+            <a:off x="2920604" y="2286374"/>
+            <a:ext cx="6350792" cy="3266701"/>
+          </a:xfrm>
+        </p:spPr>
+      </p:pic>
+    </p:spTree>
+    <p:extLst>
+      <p:ext uri="{BB962C8B-B14F-4D97-AF65-F5344CB8AC3E}">
+        <p14:creationId xmlns:p14="http://schemas.microsoft.com/office/powerpoint/2010/main" val="2541815593"/>
+      </p:ext>
+    </p:extLst>
+  </p:cSld>
+  <p:clrMapOvr>
+    <a:masterClrMapping/>
+  </p:clrMapOvr>
+  <mc:AlternateContent xmlns:mc="http://schemas.openxmlformats.org/markup-compatibility/2006">
+    <mc:Choice xmlns:p14="http://schemas.microsoft.com/office/powerpoint/2010/main" Requires="p14">
+      <p:transition spd="med" p14:dur="700">
+        <p:fade/>
+      </p:transition>
+    </mc:Choice>
+    <mc:Fallback>
+      <p:transition spd="med">
+        <p:fade/>
+      </p:transition>
+    </mc:Fallback>
+  </mc:AlternateContent>
+</p:sld>
+</file>
+
+<file path=ppt/slides/slide9.xml><?xml version="1.0" encoding="utf-8"?>
+<p:sld xmlns:a="http://schemas.openxmlformats.org/drawingml/2006/main" xmlns:r="http://schemas.openxmlformats.org/officeDocument/2006/relationships" xmlns:p="http://schemas.openxmlformats.org/presentationml/2006/main">
+  <p:cSld>
+    <p:spTree>
+      <p:nvGrpSpPr>
+        <p:cNvPr id="1" name=""/>
+        <p:cNvGrpSpPr/>
+        <p:nvPr/>
+      </p:nvGrpSpPr>
+      <p:grpSpPr>
+        <a:xfrm>
+          <a:off x="0" y="0"/>
+          <a:ext cx="0" cy="0"/>
+          <a:chOff x="0" y="0"/>
+          <a:chExt cx="0" cy="0"/>
+        </a:xfrm>
+      </p:grpSpPr>
+      <p:sp>
+        <p:nvSpPr>
+          <p:cNvPr id="2" name="Tytuł 1">
+            <a:extLst>
+              <a:ext uri="{FF2B5EF4-FFF2-40B4-BE49-F238E27FC236}">
+                <a16:creationId xmlns:a16="http://schemas.microsoft.com/office/drawing/2014/main" id="{4EE5753E-50AC-50CD-8F5E-71BF107617A6}"/>
+              </a:ext>
+            </a:extLst>
+          </p:cNvPr>
+          <p:cNvSpPr>
+            <a:spLocks noGrp="1"/>
+          </p:cNvSpPr>
+          <p:nvPr>
+            <p:ph type="title"/>
+          </p:nvPr>
+        </p:nvSpPr>
+        <p:spPr/>
+        <p:txBody>
+          <a:bodyPr/>
+          <a:lstStyle/>
+          <a:p>
+            <a:pPr algn="ctr"/>
+            <a:r>
+              <a:rPr lang="pl-PL" dirty="0"/>
+              <a:t>Wymagania niefunkcjonalne</a:t>
+            </a:r>
+          </a:p>
+        </p:txBody>
+      </p:sp>
+      <p:sp>
+        <p:nvSpPr>
+          <p:cNvPr id="3" name="Symbol zastępczy zawartości 2">
+            <a:extLst>
+              <a:ext uri="{FF2B5EF4-FFF2-40B4-BE49-F238E27FC236}">
+                <a16:creationId xmlns:a16="http://schemas.microsoft.com/office/drawing/2014/main" id="{8EF24EEB-BCF5-6E75-71D8-DBDE5C4C8502}"/>
+              </a:ext>
+            </a:extLst>
+          </p:cNvPr>
+          <p:cNvSpPr>
+            <a:spLocks noGrp="1"/>
+          </p:cNvSpPr>
+          <p:nvPr>
+            <p:ph sz="half" idx="1"/>
+          </p:nvPr>
+        </p:nvSpPr>
+        <p:spPr>
+          <a:xfrm>
+            <a:off x="1097280" y="3429000"/>
+            <a:ext cx="4639736" cy="2440093"/>
+          </a:xfrm>
+        </p:spPr>
+        <p:txBody>
+          <a:bodyPr/>
+          <a:lstStyle/>
+          <a:p>
+            <a:r>
+              <a:rPr lang="pl-PL" dirty="0"/>
+              <a:t>Ciemny tryb</a:t>
+            </a:r>
+          </a:p>
+        </p:txBody>
+      </p:sp>
+      <p:pic>
+        <p:nvPicPr>
+          <p:cNvPr id="7" name="Symbol zastępczy zawartości 6">
+            <a:extLst>
+              <a:ext uri="{FF2B5EF4-FFF2-40B4-BE49-F238E27FC236}">
+                <a16:creationId xmlns:a16="http://schemas.microsoft.com/office/drawing/2014/main" id="{54A41390-2261-D222-F590-C85228E8978A}"/>
+              </a:ext>
+            </a:extLst>
+          </p:cNvPr>
+          <p:cNvPicPr>
+            <a:picLocks noGrp="1" noChangeAspect="1"/>
+          </p:cNvPicPr>
+          <p:nvPr>
+            <p:ph sz="half" idx="2"/>
+          </p:nvPr>
+        </p:nvPicPr>
+        <p:blipFill>
+          <a:blip r:embed="rId2">
+            <a:extLst>
+              <a:ext uri="{28A0092B-C50C-407E-A947-70E740481C1C}">
+                <a14:useLocalDpi xmlns:a14="http://schemas.microsoft.com/office/drawing/2010/main" val="0"/>
+              </a:ext>
+            </a:extLst>
+          </a:blip>
+          <a:stretch>
+            <a:fillRect/>
+          </a:stretch>
+        </p:blipFill>
+        <p:spPr>
+          <a:xfrm>
+            <a:off x="7267386" y="3556764"/>
+            <a:ext cx="2823815" cy="705953"/>
+          </a:xfrm>
+        </p:spPr>
+      </p:pic>
+      <p:sp>
+        <p:nvSpPr>
+          <p:cNvPr id="5" name="Symbol zastępczy daty 4">
+            <a:extLst>
+              <a:ext uri="{FF2B5EF4-FFF2-40B4-BE49-F238E27FC236}">
+                <a16:creationId xmlns:a16="http://schemas.microsoft.com/office/drawing/2014/main" id="{B62B241E-00B5-22C0-01A9-D4BDC5BCB5E8}"/>
+              </a:ext>
+            </a:extLst>
+          </p:cNvPr>
+          <p:cNvSpPr>
+            <a:spLocks noGrp="1"/>
+          </p:cNvSpPr>
+          <p:nvPr>
+            <p:ph type="dt" sz="half" idx="10"/>
+          </p:nvPr>
+        </p:nvSpPr>
+        <p:spPr/>
+        <p:txBody>
+          <a:bodyPr/>
+          <a:lstStyle/>
+          <a:p>
+            <a:pPr rtl="0"/>
+            <a:fld id="{6D9D7E3F-871E-42B9-88FB-12D60C8B3FED}" type="datetime1">
+              <a:rPr lang="pl-PL" smtClean="0"/>
+              <a:t>13.12.2022</a:t>
+            </a:fld>
+            <a:endParaRPr lang="en-US" dirty="0"/>
+          </a:p>
+        </p:txBody>
+      </p:sp>
+    </p:spTree>
+    <p:extLst>
+      <p:ext uri="{BB962C8B-B14F-4D97-AF65-F5344CB8AC3E}">
+        <p14:creationId xmlns:p14="http://schemas.microsoft.com/office/powerpoint/2010/main" val="2647899758"/>
+      </p:ext>
+    </p:extLst>
+  </p:cSld>
+  <p:clrMapOvr>
+    <a:masterClrMapping/>
+  </p:clrMapOvr>
+  <mc:AlternateContent xmlns:mc="http://schemas.openxmlformats.org/markup-compatibility/2006">
+    <mc:Choice xmlns:p14="http://schemas.microsoft.com/office/powerpoint/2010/main" Requires="p14">
+      <p:transition spd="med" p14:dur="700">
+        <p:fade/>
+      </p:transition>
+    </mc:Choice>
+    <mc:Fallback>
+      <p:transition spd="med">
+        <p:fade/>
+      </p:transition>
+    </mc:Fallback>
+  </mc:AlternateContent>
 </p:sld>
 </file>
 

--- a/UML.pptx
+++ b/UML.pptx
@@ -4465,6 +4465,17 @@
           <a:p>
             <a:pPr algn="ctr" rtl="0"/>
             <a:r>
+              <a:rPr lang="pl" sz="2400">
+                <a:solidFill>
+                  <a:schemeClr val="tx1">
+                    <a:lumMod val="85000"/>
+                    <a:lumOff val="15000"/>
+                  </a:schemeClr>
+                </a:solidFill>
+              </a:rPr>
+              <a:t>POznaj </a:t>
+            </a:r>
+            <a:r>
               <a:rPr lang="pl" sz="2400" dirty="0">
                 <a:solidFill>
                   <a:schemeClr val="tx1">
@@ -4473,7 +4484,7 @@
                   </a:schemeClr>
                 </a:solidFill>
               </a:rPr>
-              <a:t>Pznaj co jest na topie</a:t>
+              <a:t>co jest na topie</a:t>
             </a:r>
           </a:p>
         </p:txBody>
@@ -4614,13 +4625,13 @@
   <p:clrMapOvr>
     <a:masterClrMapping/>
   </p:clrMapOvr>
-  <mc:AlternateContent xmlns:mc="http://schemas.openxmlformats.org/markup-compatibility/2006">
-    <mc:Choice xmlns:p14="http://schemas.microsoft.com/office/powerpoint/2010/main" Requires="p14">
+  <mc:AlternateContent xmlns:mc="http://schemas.openxmlformats.org/markup-compatibility/2006" xmlns:p14="http://schemas.microsoft.com/office/powerpoint/2010/main">
+    <mc:Choice Requires="p14">
       <p:transition spd="med" p14:dur="700">
         <p:fade/>
       </p:transition>
     </mc:Choice>
-    <mc:Fallback>
+    <mc:Fallback xmlns="">
       <p:transition spd="med">
         <p:fade/>
       </p:transition>
@@ -4963,13 +4974,13 @@
   <p:clrMapOvr>
     <a:masterClrMapping/>
   </p:clrMapOvr>
-  <mc:AlternateContent xmlns:mc="http://schemas.openxmlformats.org/markup-compatibility/2006">
-    <mc:Choice xmlns:p14="http://schemas.microsoft.com/office/powerpoint/2010/main" Requires="p14">
+  <mc:AlternateContent xmlns:mc="http://schemas.openxmlformats.org/markup-compatibility/2006" xmlns:p14="http://schemas.microsoft.com/office/powerpoint/2010/main">
+    <mc:Choice Requires="p14">
       <p:transition spd="med" p14:dur="700">
         <p:fade/>
       </p:transition>
     </mc:Choice>
-    <mc:Fallback>
+    <mc:Fallback xmlns="">
       <p:transition spd="med">
         <p:fade/>
       </p:transition>
@@ -5685,13 +5696,13 @@
   <p:clrMapOvr>
     <a:masterClrMapping/>
   </p:clrMapOvr>
-  <mc:AlternateContent xmlns:mc="http://schemas.openxmlformats.org/markup-compatibility/2006">
-    <mc:Choice xmlns:p14="http://schemas.microsoft.com/office/powerpoint/2010/main" Requires="p14">
+  <mc:AlternateContent xmlns:mc="http://schemas.openxmlformats.org/markup-compatibility/2006" xmlns:p14="http://schemas.microsoft.com/office/powerpoint/2010/main">
+    <mc:Choice Requires="p14">
       <p:transition spd="med" p14:dur="700">
         <p:fade/>
       </p:transition>
     </mc:Choice>
-    <mc:Fallback>
+    <mc:Fallback xmlns="">
       <p:transition spd="med">
         <p:fade/>
       </p:transition>
@@ -5854,13 +5865,13 @@
   <p:clrMapOvr>
     <a:masterClrMapping/>
   </p:clrMapOvr>
-  <mc:AlternateContent xmlns:mc="http://schemas.openxmlformats.org/markup-compatibility/2006">
-    <mc:Choice xmlns:p14="http://schemas.microsoft.com/office/powerpoint/2010/main" Requires="p14">
+  <mc:AlternateContent xmlns:mc="http://schemas.openxmlformats.org/markup-compatibility/2006" xmlns:p14="http://schemas.microsoft.com/office/powerpoint/2010/main">
+    <mc:Choice Requires="p14">
       <p:transition spd="med" p14:dur="700">
         <p:fade/>
       </p:transition>
     </mc:Choice>
-    <mc:Fallback>
+    <mc:Fallback xmlns="">
       <p:transition spd="med">
         <p:fade/>
       </p:transition>
@@ -6023,13 +6034,13 @@
   <p:clrMapOvr>
     <a:masterClrMapping/>
   </p:clrMapOvr>
-  <mc:AlternateContent xmlns:mc="http://schemas.openxmlformats.org/markup-compatibility/2006">
-    <mc:Choice xmlns:p14="http://schemas.microsoft.com/office/powerpoint/2010/main" Requires="p14">
+  <mc:AlternateContent xmlns:mc="http://schemas.openxmlformats.org/markup-compatibility/2006" xmlns:p14="http://schemas.microsoft.com/office/powerpoint/2010/main">
+    <mc:Choice Requires="p14">
       <p:transition spd="med" p14:dur="700">
         <p:fade/>
       </p:transition>
     </mc:Choice>
-    <mc:Fallback>
+    <mc:Fallback xmlns="">
       <p:transition spd="med">
         <p:fade/>
       </p:transition>
@@ -6192,13 +6203,13 @@
   <p:clrMapOvr>
     <a:masterClrMapping/>
   </p:clrMapOvr>
-  <mc:AlternateContent xmlns:mc="http://schemas.openxmlformats.org/markup-compatibility/2006">
-    <mc:Choice xmlns:p14="http://schemas.microsoft.com/office/powerpoint/2010/main" Requires="p14">
+  <mc:AlternateContent xmlns:mc="http://schemas.openxmlformats.org/markup-compatibility/2006" xmlns:p14="http://schemas.microsoft.com/office/powerpoint/2010/main">
+    <mc:Choice Requires="p14">
       <p:transition spd="med" p14:dur="700">
         <p:fade/>
       </p:transition>
     </mc:Choice>
-    <mc:Fallback>
+    <mc:Fallback xmlns="">
       <p:transition spd="med">
         <p:fade/>
       </p:transition>
@@ -6397,13 +6408,13 @@
   <p:clrMapOvr>
     <a:masterClrMapping/>
   </p:clrMapOvr>
-  <mc:AlternateContent xmlns:mc="http://schemas.openxmlformats.org/markup-compatibility/2006">
-    <mc:Choice xmlns:p14="http://schemas.microsoft.com/office/powerpoint/2010/main" Requires="p14">
+  <mc:AlternateContent xmlns:mc="http://schemas.openxmlformats.org/markup-compatibility/2006" xmlns:p14="http://schemas.microsoft.com/office/powerpoint/2010/main">
+    <mc:Choice Requires="p14">
       <p:transition spd="med" p14:dur="700">
         <p:fade/>
       </p:transition>
     </mc:Choice>
-    <mc:Fallback>
+    <mc:Fallback xmlns="">
       <p:transition spd="med">
         <p:fade/>
       </p:transition>
@@ -6566,13 +6577,13 @@
   <p:clrMapOvr>
     <a:masterClrMapping/>
   </p:clrMapOvr>
-  <mc:AlternateContent xmlns:mc="http://schemas.openxmlformats.org/markup-compatibility/2006">
-    <mc:Choice xmlns:p14="http://schemas.microsoft.com/office/powerpoint/2010/main" Requires="p14">
+  <mc:AlternateContent xmlns:mc="http://schemas.openxmlformats.org/markup-compatibility/2006" xmlns:p14="http://schemas.microsoft.com/office/powerpoint/2010/main">
+    <mc:Choice Requires="p14">
       <p:transition spd="med" p14:dur="700">
         <p:fade/>
       </p:transition>
     </mc:Choice>
-    <mc:Fallback>
+    <mc:Fallback xmlns="">
       <p:transition spd="med">
         <p:fade/>
       </p:transition>
@@ -6702,13 +6713,13 @@
   <p:clrMapOvr>
     <a:masterClrMapping/>
   </p:clrMapOvr>
-  <mc:AlternateContent xmlns:mc="http://schemas.openxmlformats.org/markup-compatibility/2006">
-    <mc:Choice xmlns:p14="http://schemas.microsoft.com/office/powerpoint/2010/main" Requires="p14">
+  <mc:AlternateContent xmlns:mc="http://schemas.openxmlformats.org/markup-compatibility/2006" xmlns:p14="http://schemas.microsoft.com/office/powerpoint/2010/main">
+    <mc:Choice Requires="p14">
       <p:transition spd="med" p14:dur="700">
         <p:fade/>
       </p:transition>
     </mc:Choice>
-    <mc:Fallback>
+    <mc:Fallback xmlns="">
       <p:transition spd="med">
         <p:fade/>
       </p:transition>
@@ -6871,13 +6882,13 @@
   <p:clrMapOvr>
     <a:masterClrMapping/>
   </p:clrMapOvr>
-  <mc:AlternateContent xmlns:mc="http://schemas.openxmlformats.org/markup-compatibility/2006">
-    <mc:Choice xmlns:p14="http://schemas.microsoft.com/office/powerpoint/2010/main" Requires="p14">
+  <mc:AlternateContent xmlns:mc="http://schemas.openxmlformats.org/markup-compatibility/2006" xmlns:p14="http://schemas.microsoft.com/office/powerpoint/2010/main">
+    <mc:Choice Requires="p14">
       <p:transition spd="med" p14:dur="700">
         <p:fade/>
       </p:transition>
     </mc:Choice>
-    <mc:Fallback>
+    <mc:Fallback xmlns="">
       <p:transition spd="med">
         <p:fade/>
       </p:transition>
